--- a/Complete Laravel Tutorial 2022/Complete Laravel Tutorial 2022.pptx
+++ b/Complete Laravel Tutorial 2022/Complete Laravel Tutorial 2022.pptx
@@ -8,14 +8,15 @@
     <p:sldId id="260" r:id="rId2"/>
     <p:sldId id="266" r:id="rId3"/>
     <p:sldId id="267" r:id="rId4"/>
-    <p:sldId id="257" r:id="rId5"/>
-    <p:sldId id="258" r:id="rId6"/>
-    <p:sldId id="259" r:id="rId7"/>
-    <p:sldId id="261" r:id="rId8"/>
-    <p:sldId id="262" r:id="rId9"/>
-    <p:sldId id="263" r:id="rId10"/>
-    <p:sldId id="264" r:id="rId11"/>
-    <p:sldId id="256" r:id="rId12"/>
+    <p:sldId id="268" r:id="rId5"/>
+    <p:sldId id="257" r:id="rId6"/>
+    <p:sldId id="258" r:id="rId7"/>
+    <p:sldId id="259" r:id="rId8"/>
+    <p:sldId id="261" r:id="rId9"/>
+    <p:sldId id="262" r:id="rId10"/>
+    <p:sldId id="263" r:id="rId11"/>
+    <p:sldId id="264" r:id="rId12"/>
+    <p:sldId id="256" r:id="rId13"/>
   </p:sldIdLst>
   <p:sldSz cx="12192000" cy="6858000"/>
   <p:notesSz cx="6858000" cy="9144000"/>
@@ -269,7 +270,7 @@
           <a:p>
             <a:fld id="{73C75FFA-2495-4098-864D-5BAC82078BDD}" type="datetimeFigureOut">
               <a:rPr lang="en-US" smtClean="0"/>
-              <a:t>5/26/2022</a:t>
+              <a:t>6/17/2022</a:t>
             </a:fld>
             <a:endParaRPr lang="en-US"/>
           </a:p>
@@ -467,7 +468,7 @@
           <a:p>
             <a:fld id="{73C75FFA-2495-4098-864D-5BAC82078BDD}" type="datetimeFigureOut">
               <a:rPr lang="en-US" smtClean="0"/>
-              <a:t>5/26/2022</a:t>
+              <a:t>6/17/2022</a:t>
             </a:fld>
             <a:endParaRPr lang="en-US"/>
           </a:p>
@@ -675,7 +676,7 @@
           <a:p>
             <a:fld id="{73C75FFA-2495-4098-864D-5BAC82078BDD}" type="datetimeFigureOut">
               <a:rPr lang="en-US" smtClean="0"/>
-              <a:t>5/26/2022</a:t>
+              <a:t>6/17/2022</a:t>
             </a:fld>
             <a:endParaRPr lang="en-US"/>
           </a:p>
@@ -873,7 +874,7 @@
           <a:p>
             <a:fld id="{73C75FFA-2495-4098-864D-5BAC82078BDD}" type="datetimeFigureOut">
               <a:rPr lang="en-US" smtClean="0"/>
-              <a:t>5/26/2022</a:t>
+              <a:t>6/17/2022</a:t>
             </a:fld>
             <a:endParaRPr lang="en-US"/>
           </a:p>
@@ -1148,7 +1149,7 @@
           <a:p>
             <a:fld id="{73C75FFA-2495-4098-864D-5BAC82078BDD}" type="datetimeFigureOut">
               <a:rPr lang="en-US" smtClean="0"/>
-              <a:t>5/26/2022</a:t>
+              <a:t>6/17/2022</a:t>
             </a:fld>
             <a:endParaRPr lang="en-US"/>
           </a:p>
@@ -1413,7 +1414,7 @@
           <a:p>
             <a:fld id="{73C75FFA-2495-4098-864D-5BAC82078BDD}" type="datetimeFigureOut">
               <a:rPr lang="en-US" smtClean="0"/>
-              <a:t>5/26/2022</a:t>
+              <a:t>6/17/2022</a:t>
             </a:fld>
             <a:endParaRPr lang="en-US"/>
           </a:p>
@@ -1825,7 +1826,7 @@
           <a:p>
             <a:fld id="{73C75FFA-2495-4098-864D-5BAC82078BDD}" type="datetimeFigureOut">
               <a:rPr lang="en-US" smtClean="0"/>
-              <a:t>5/26/2022</a:t>
+              <a:t>6/17/2022</a:t>
             </a:fld>
             <a:endParaRPr lang="en-US"/>
           </a:p>
@@ -1966,7 +1967,7 @@
           <a:p>
             <a:fld id="{73C75FFA-2495-4098-864D-5BAC82078BDD}" type="datetimeFigureOut">
               <a:rPr lang="en-US" smtClean="0"/>
-              <a:t>5/26/2022</a:t>
+              <a:t>6/17/2022</a:t>
             </a:fld>
             <a:endParaRPr lang="en-US"/>
           </a:p>
@@ -2079,7 +2080,7 @@
           <a:p>
             <a:fld id="{73C75FFA-2495-4098-864D-5BAC82078BDD}" type="datetimeFigureOut">
               <a:rPr lang="en-US" smtClean="0"/>
-              <a:t>5/26/2022</a:t>
+              <a:t>6/17/2022</a:t>
             </a:fld>
             <a:endParaRPr lang="en-US"/>
           </a:p>
@@ -2390,7 +2391,7 @@
           <a:p>
             <a:fld id="{73C75FFA-2495-4098-864D-5BAC82078BDD}" type="datetimeFigureOut">
               <a:rPr lang="en-US" smtClean="0"/>
-              <a:t>5/26/2022</a:t>
+              <a:t>6/17/2022</a:t>
             </a:fld>
             <a:endParaRPr lang="en-US"/>
           </a:p>
@@ -2678,7 +2679,7 @@
           <a:p>
             <a:fld id="{73C75FFA-2495-4098-864D-5BAC82078BDD}" type="datetimeFigureOut">
               <a:rPr lang="en-US" smtClean="0"/>
-              <a:t>5/26/2022</a:t>
+              <a:t>6/17/2022</a:t>
             </a:fld>
             <a:endParaRPr lang="en-US"/>
           </a:p>
@@ -2919,7 +2920,7 @@
           <a:p>
             <a:fld id="{73C75FFA-2495-4098-864D-5BAC82078BDD}" type="datetimeFigureOut">
               <a:rPr lang="en-US" smtClean="0"/>
-              <a:t>5/26/2022</a:t>
+              <a:t>6/17/2022</a:t>
             </a:fld>
             <a:endParaRPr lang="en-US"/>
           </a:p>
@@ -3434,33 +3435,8 @@
                 <a:latin typeface="Bahnschrift SemiBold" panose="020B0502040204020203" pitchFamily="34" charset="0"/>
                 <a:cs typeface="Aharoni" panose="020B0604020202020204" pitchFamily="2" charset="-79"/>
               </a:rPr>
-              <a:t>PHP Laravel </a:t>
-            </a:r>
-            <a:r>
-              <a:rPr lang="en-US" sz="7000" dirty="0" err="1">
-                <a:latin typeface="Bahnschrift SemiBold" panose="020B0502040204020203" pitchFamily="34" charset="0"/>
-                <a:cs typeface="Aharoni" panose="020B0604020202020204" pitchFamily="2" charset="-79"/>
-              </a:rPr>
-              <a:t>cơ</a:t>
-            </a:r>
-            <a:r>
-              <a:rPr lang="en-US" sz="7000" dirty="0">
-                <a:latin typeface="Bahnschrift SemiBold" panose="020B0502040204020203" pitchFamily="34" charset="0"/>
-                <a:cs typeface="Aharoni" panose="020B0604020202020204" pitchFamily="2" charset="-79"/>
-              </a:rPr>
-              <a:t> </a:t>
-            </a:r>
-            <a:r>
-              <a:rPr lang="en-US" sz="7000" dirty="0" err="1">
-                <a:latin typeface="Bahnschrift SemiBold" panose="020B0502040204020203" pitchFamily="34" charset="0"/>
-                <a:cs typeface="Aharoni" panose="020B0604020202020204" pitchFamily="2" charset="-79"/>
-              </a:rPr>
-              <a:t>bản</a:t>
-            </a:r>
-            <a:endParaRPr lang="en-US" sz="7000" dirty="0">
-              <a:latin typeface="Bahnschrift SemiBold" panose="020B0502040204020203" pitchFamily="34" charset="0"/>
-              <a:cs typeface="Aharoni" panose="020B0604020202020204" pitchFamily="2" charset="-79"/>
-            </a:endParaRPr>
+              <a:t>PHP Laravel Basics</a:t>
+            </a:r>
           </a:p>
         </p:txBody>
       </p:sp>
@@ -3479,7 +3455,7 @@
         <p:spPr>
           <a:xfrm>
             <a:off x="122830" y="3798405"/>
-            <a:ext cx="8489687" cy="1938992"/>
+            <a:ext cx="10762884" cy="1938992"/>
           </a:xfrm>
           <a:prstGeom prst="rect">
             <a:avLst/>
@@ -3494,34 +3470,13 @@
           <a:p>
             <a:pPr algn="ctr"/>
             <a:r>
-              <a:rPr lang="en-US" sz="12000" b="1" dirty="0" err="1">
-                <a:solidFill>
-                  <a:srgbClr val="76F9A6"/>
-                </a:solidFill>
-              </a:rPr>
-              <a:t>Trong</a:t>
-            </a:r>
-            <a:r>
               <a:rPr lang="en-US" sz="12000" b="1" dirty="0">
                 <a:solidFill>
                   <a:srgbClr val="76F9A6"/>
                 </a:solidFill>
               </a:rPr>
-              <a:t> 3 </a:t>
-            </a:r>
-            <a:r>
-              <a:rPr lang="en-US" sz="12000" b="1" dirty="0" err="1">
-                <a:solidFill>
-                  <a:srgbClr val="76F9A6"/>
-                </a:solidFill>
-              </a:rPr>
-              <a:t>giờ</a:t>
-            </a:r>
-            <a:endParaRPr lang="en-US" sz="12000" b="1" dirty="0">
-              <a:solidFill>
-                <a:srgbClr val="76F9A6"/>
-              </a:solidFill>
-            </a:endParaRPr>
+              <a:t>Within 3 Hours</a:t>
+            </a:r>
           </a:p>
         </p:txBody>
       </p:sp>
@@ -3589,7 +3544,7 @@
                                     </p:set>
                                     <p:anim calcmode="lin" valueType="num">
                                       <p:cBhvr>
-                                        <p:cTn id="7" dur="500" fill="hold"/>
+                                        <p:cTn id="7" dur="2000" fill="hold"/>
                                         <p:tgtEl>
                                           <p:spTgt spid="19"/>
                                         </p:tgtEl>
@@ -3612,7 +3567,7 @@
                                     </p:anim>
                                     <p:anim calcmode="lin" valueType="num">
                                       <p:cBhvr>
-                                        <p:cTn id="8" dur="500" fill="hold"/>
+                                        <p:cTn id="8" dur="2000" fill="hold"/>
                                         <p:tgtEl>
                                           <p:spTgt spid="19"/>
                                         </p:tgtEl>
@@ -3635,7 +3590,7 @@
                                     </p:anim>
                                     <p:animEffect transition="in" filter="fade">
                                       <p:cBhvr>
-                                        <p:cTn id="9" dur="500"/>
+                                        <p:cTn id="9" dur="2000"/>
                                         <p:tgtEl>
                                           <p:spTgt spid="19"/>
                                         </p:tgtEl>
@@ -3670,7 +3625,7 @@
                                     </p:set>
                                     <p:anim calcmode="lin" valueType="num">
                                       <p:cBhvr>
-                                        <p:cTn id="12" dur="500" fill="hold"/>
+                                        <p:cTn id="12" dur="2000" fill="hold"/>
                                         <p:tgtEl>
                                           <p:spTgt spid="22"/>
                                         </p:tgtEl>
@@ -3693,7 +3648,7 @@
                                     </p:anim>
                                     <p:anim calcmode="lin" valueType="num">
                                       <p:cBhvr>
-                                        <p:cTn id="13" dur="500" fill="hold"/>
+                                        <p:cTn id="13" dur="2000" fill="hold"/>
                                         <p:tgtEl>
                                           <p:spTgt spid="22"/>
                                         </p:tgtEl>
@@ -3716,7 +3671,7 @@
                                     </p:anim>
                                     <p:animEffect transition="in" filter="fade">
                                       <p:cBhvr>
-                                        <p:cTn id="14" dur="500"/>
+                                        <p:cTn id="14" dur="2000"/>
                                         <p:tgtEl>
                                           <p:spTgt spid="22"/>
                                         </p:tgtEl>
@@ -3769,7 +3724,7 @@
                                     </p:set>
                                     <p:anim calcmode="lin" valueType="num">
                                       <p:cBhvr>
-                                        <p:cTn id="19" dur="500" fill="hold"/>
+                                        <p:cTn id="19" dur="2000" fill="hold"/>
                                         <p:tgtEl>
                                           <p:spTgt spid="6"/>
                                         </p:tgtEl>
@@ -3792,7 +3747,7 @@
                                     </p:anim>
                                     <p:anim calcmode="lin" valueType="num">
                                       <p:cBhvr>
-                                        <p:cTn id="20" dur="500" fill="hold"/>
+                                        <p:cTn id="20" dur="2000" fill="hold"/>
                                         <p:tgtEl>
                                           <p:spTgt spid="6"/>
                                         </p:tgtEl>
@@ -3815,7 +3770,7 @@
                                     </p:anim>
                                     <p:animEffect transition="in" filter="fade">
                                       <p:cBhvr>
-                                        <p:cTn id="21" dur="500"/>
+                                        <p:cTn id="21" dur="2000"/>
                                         <p:tgtEl>
                                           <p:spTgt spid="6"/>
                                         </p:tgtEl>
@@ -3972,6 +3927,193 @@
                 <a:latin typeface="Bahnschrift SemiBold" panose="020B0502040204020203" pitchFamily="34" charset="0"/>
                 <a:cs typeface="Aharoni" panose="020B0604020202020204" pitchFamily="2" charset="-79"/>
               </a:rPr>
+              <a:t>Where can I find dependencies ?</a:t>
+            </a:r>
+          </a:p>
+        </p:txBody>
+      </p:sp>
+      <p:sp>
+        <p:nvSpPr>
+          <p:cNvPr id="18" name="TextBox 17">
+            <a:extLst>
+              <a:ext uri="{FF2B5EF4-FFF2-40B4-BE49-F238E27FC236}">
+                <a16:creationId xmlns:a16="http://schemas.microsoft.com/office/drawing/2014/main" id="{266DBCC7-EBDA-412B-3C3B-DD36522242BF}"/>
+              </a:ext>
+            </a:extLst>
+          </p:cNvPr>
+          <p:cNvSpPr txBox="1"/>
+          <p:nvPr/>
+        </p:nvSpPr>
+        <p:spPr>
+          <a:xfrm>
+            <a:off x="661144" y="2795987"/>
+            <a:ext cx="10432677" cy="1631216"/>
+          </a:xfrm>
+          <a:prstGeom prst="rect">
+            <a:avLst/>
+          </a:prstGeom>
+          <a:noFill/>
+        </p:spPr>
+        <p:txBody>
+          <a:bodyPr wrap="square" rtlCol="0">
+            <a:spAutoFit/>
+          </a:bodyPr>
+          <a:lstStyle/>
+          <a:p>
+            <a:pPr algn="ctr"/>
+            <a:r>
+              <a:rPr lang="en-US" sz="5000" dirty="0">
+                <a:solidFill>
+                  <a:schemeClr val="bg1"/>
+                </a:solidFill>
+              </a:rPr>
+              <a:t>You can find Laravel dependencies at: </a:t>
+            </a:r>
+            <a:r>
+              <a:rPr lang="en-US" sz="5000" b="1" dirty="0">
+                <a:solidFill>
+                  <a:srgbClr val="76F9A6"/>
+                </a:solidFill>
+              </a:rPr>
+              <a:t>packagist.org</a:t>
+            </a:r>
+          </a:p>
+        </p:txBody>
+      </p:sp>
+    </p:spTree>
+    <p:extLst>
+      <p:ext uri="{BB962C8B-B14F-4D97-AF65-F5344CB8AC3E}">
+        <p14:creationId xmlns:p14="http://schemas.microsoft.com/office/powerpoint/2010/main" val="4051653332"/>
+      </p:ext>
+    </p:extLst>
+  </p:cSld>
+  <p:clrMapOvr>
+    <a:masterClrMapping/>
+  </p:clrMapOvr>
+  <mc:AlternateContent xmlns:mc="http://schemas.openxmlformats.org/markup-compatibility/2006" xmlns:p14="http://schemas.microsoft.com/office/powerpoint/2010/main">
+    <mc:Choice Requires="p14">
+      <p:transition p14:dur="10"/>
+    </mc:Choice>
+    <mc:Fallback xmlns="">
+      <p:transition/>
+    </mc:Fallback>
+  </mc:AlternateContent>
+</p:sld>
+</file>
+
+<file path=ppt/slides/slide11.xml><?xml version="1.0" encoding="utf-8"?>
+<p:sld xmlns:a="http://schemas.openxmlformats.org/drawingml/2006/main" xmlns:r="http://schemas.openxmlformats.org/officeDocument/2006/relationships" xmlns:p="http://schemas.openxmlformats.org/presentationml/2006/main">
+  <p:cSld>
+    <p:bg>
+      <p:bgPr>
+        <a:solidFill>
+          <a:srgbClr val="500B9E"/>
+        </a:solidFill>
+        <a:effectLst/>
+      </p:bgPr>
+    </p:bg>
+    <p:spTree>
+      <p:nvGrpSpPr>
+        <p:cNvPr id="1" name=""/>
+        <p:cNvGrpSpPr/>
+        <p:nvPr/>
+      </p:nvGrpSpPr>
+      <p:grpSpPr>
+        <a:xfrm>
+          <a:off x="0" y="0"/>
+          <a:ext cx="0" cy="0"/>
+          <a:chOff x="0" y="0"/>
+          <a:chExt cx="0" cy="0"/>
+        </a:xfrm>
+      </p:grpSpPr>
+      <p:pic>
+        <p:nvPicPr>
+          <p:cNvPr id="6" name="Picture 5">
+            <a:extLst>
+              <a:ext uri="{FF2B5EF4-FFF2-40B4-BE49-F238E27FC236}">
+                <a16:creationId xmlns:a16="http://schemas.microsoft.com/office/drawing/2014/main" id="{993FDF73-CBDF-E986-59D9-927D98FADEE3}"/>
+              </a:ext>
+            </a:extLst>
+          </p:cNvPr>
+          <p:cNvPicPr>
+            <a:picLocks noChangeAspect="1"/>
+          </p:cNvPicPr>
+          <p:nvPr/>
+        </p:nvPicPr>
+        <p:blipFill>
+          <a:blip r:embed="rId2">
+            <a:extLst>
+              <a:ext uri="{28A0092B-C50C-407E-A947-70E740481C1C}">
+                <a14:useLocalDpi xmlns:a14="http://schemas.microsoft.com/office/drawing/2010/main" val="0"/>
+              </a:ext>
+              <a:ext uri="{96DAC541-7B7A-43D3-8B79-37D633B846F1}">
+                <asvg:svgBlip xmlns:asvg="http://schemas.microsoft.com/office/drawing/2016/SVG/main" r:embed="rId3"/>
+              </a:ext>
+            </a:extLst>
+          </a:blip>
+          <a:srcRect/>
+          <a:stretch/>
+        </p:blipFill>
+        <p:spPr>
+          <a:xfrm>
+            <a:off x="10403540" y="286886"/>
+            <a:ext cx="1521969" cy="1573582"/>
+          </a:xfrm>
+          <a:prstGeom prst="rect">
+            <a:avLst/>
+          </a:prstGeom>
+        </p:spPr>
+      </p:pic>
+      <p:sp>
+        <p:nvSpPr>
+          <p:cNvPr id="7" name="Rectangle: Rounded Corners 6">
+            <a:extLst>
+              <a:ext uri="{FF2B5EF4-FFF2-40B4-BE49-F238E27FC236}">
+                <a16:creationId xmlns:a16="http://schemas.microsoft.com/office/drawing/2014/main" id="{30ADFF08-8B69-2267-2997-AB94409F105F}"/>
+              </a:ext>
+            </a:extLst>
+          </p:cNvPr>
+          <p:cNvSpPr/>
+          <p:nvPr/>
+        </p:nvSpPr>
+        <p:spPr>
+          <a:xfrm>
+            <a:off x="369794" y="397876"/>
+            <a:ext cx="9485778" cy="1102660"/>
+          </a:xfrm>
+          <a:prstGeom prst="roundRect">
+            <a:avLst/>
+          </a:prstGeom>
+          <a:solidFill>
+            <a:srgbClr val="DE3778"/>
+          </a:solidFill>
+        </p:spPr>
+        <p:style>
+          <a:lnRef idx="2">
+            <a:schemeClr val="accent1">
+              <a:shade val="50000"/>
+            </a:schemeClr>
+          </a:lnRef>
+          <a:fillRef idx="1">
+            <a:schemeClr val="accent1"/>
+          </a:fillRef>
+          <a:effectRef idx="0">
+            <a:schemeClr val="accent1"/>
+          </a:effectRef>
+          <a:fontRef idx="minor">
+            <a:schemeClr val="lt1"/>
+          </a:fontRef>
+        </p:style>
+        <p:txBody>
+          <a:bodyPr rtlCol="0" anchor="ctr"/>
+          <a:lstStyle/>
+          <a:p>
+            <a:pPr algn="ctr"/>
+            <a:r>
+              <a:rPr lang="en-US" sz="5000" dirty="0">
+                <a:latin typeface="Bahnschrift SemiBold" panose="020B0502040204020203" pitchFamily="34" charset="0"/>
+                <a:cs typeface="Aharoni" panose="020B0604020202020204" pitchFamily="2" charset="-79"/>
+              </a:rPr>
               <a:t>Basic routing in Laravel</a:t>
             </a:r>
           </a:p>
@@ -4190,7 +4332,7 @@
 </p:sld>
 </file>
 
-<file path=ppt/slides/slide11.xml><?xml version="1.0" encoding="utf-8"?>
+<file path=ppt/slides/slide12.xml><?xml version="1.0" encoding="utf-8"?>
 <p:sld xmlns:a="http://schemas.openxmlformats.org/drawingml/2006/main" xmlns:r="http://schemas.openxmlformats.org/officeDocument/2006/relationships" xmlns:p="http://schemas.openxmlformats.org/presentationml/2006/main">
   <p:cSld>
     <p:bg>
@@ -7267,48 +7409,9 @@
           <a:chExt cx="0" cy="0"/>
         </a:xfrm>
       </p:grpSpPr>
-      <p:sp>
-        <p:nvSpPr>
-          <p:cNvPr id="4" name="TextBox 3">
-            <a:extLst>
-              <a:ext uri="{FF2B5EF4-FFF2-40B4-BE49-F238E27FC236}">
-                <a16:creationId xmlns:a16="http://schemas.microsoft.com/office/drawing/2014/main" id="{05607554-A8B7-74D6-FA97-288F0B14BD24}"/>
-              </a:ext>
-            </a:extLst>
-          </p:cNvPr>
-          <p:cNvSpPr txBox="1"/>
-          <p:nvPr/>
-        </p:nvSpPr>
-        <p:spPr>
-          <a:xfrm>
-            <a:off x="1974476" y="366408"/>
-            <a:ext cx="8377518" cy="1323439"/>
-          </a:xfrm>
-          <a:prstGeom prst="rect">
-            <a:avLst/>
-          </a:prstGeom>
-          <a:noFill/>
-        </p:spPr>
-        <p:txBody>
-          <a:bodyPr wrap="square" rtlCol="0">
-            <a:spAutoFit/>
-          </a:bodyPr>
-          <a:lstStyle/>
-          <a:p>
-            <a:r>
-              <a:rPr lang="en-US" sz="8000" dirty="0">
-                <a:solidFill>
-                  <a:schemeClr val="bg1"/>
-                </a:solidFill>
-              </a:rPr>
-              <a:t>Visual Studio Code</a:t>
-            </a:r>
-          </a:p>
-        </p:txBody>
-      </p:sp>
       <p:pic>
         <p:nvPicPr>
-          <p:cNvPr id="6" name="Picture 5" descr="Icon&#10;&#10;Description automatically generated">
+          <p:cNvPr id="6" name="Picture 5">
             <a:extLst>
               <a:ext uri="{FF2B5EF4-FFF2-40B4-BE49-F238E27FC236}">
                 <a16:creationId xmlns:a16="http://schemas.microsoft.com/office/drawing/2014/main" id="{993FDF73-CBDF-E986-59D9-927D98FADEE3}"/>
@@ -7326,16 +7429,18 @@
               <a:ext uri="{28A0092B-C50C-407E-A947-70E740481C1C}">
                 <a14:useLocalDpi xmlns:a14="http://schemas.microsoft.com/office/drawing/2010/main" val="0"/>
               </a:ext>
+              <a:ext uri="{96DAC541-7B7A-43D3-8B79-37D633B846F1}">
+                <asvg:svgBlip xmlns:asvg="http://schemas.microsoft.com/office/drawing/2016/SVG/main" r:embed="rId3"/>
+              </a:ext>
             </a:extLst>
           </a:blip>
-          <a:stretch>
-            <a:fillRect/>
-          </a:stretch>
+          <a:srcRect/>
+          <a:stretch/>
         </p:blipFill>
         <p:spPr>
           <a:xfrm>
-            <a:off x="357692" y="2490306"/>
-            <a:ext cx="2677847" cy="2677847"/>
+            <a:off x="659494" y="2704087"/>
+            <a:ext cx="2152723" cy="2225726"/>
           </a:xfrm>
           <a:prstGeom prst="rect">
             <a:avLst/>
@@ -7344,10 +7449,67 @@
       </p:pic>
       <p:sp>
         <p:nvSpPr>
-          <p:cNvPr id="9" name="TextBox 8">
-            <a:extLst>
-              <a:ext uri="{FF2B5EF4-FFF2-40B4-BE49-F238E27FC236}">
-                <a16:creationId xmlns:a16="http://schemas.microsoft.com/office/drawing/2014/main" id="{1DBA753E-00E7-CC0F-998C-50ADE836E283}"/>
+          <p:cNvPr id="19" name="Rectangle: Rounded Corners 18">
+            <a:extLst>
+              <a:ext uri="{FF2B5EF4-FFF2-40B4-BE49-F238E27FC236}">
+                <a16:creationId xmlns:a16="http://schemas.microsoft.com/office/drawing/2014/main" id="{2F8A3F2B-3C39-2AFA-7A81-2CB9E84AABE0}"/>
+              </a:ext>
+            </a:extLst>
+          </p:cNvPr>
+          <p:cNvSpPr/>
+          <p:nvPr/>
+        </p:nvSpPr>
+        <p:spPr>
+          <a:xfrm>
+            <a:off x="184518" y="198418"/>
+            <a:ext cx="11381839" cy="2055777"/>
+          </a:xfrm>
+          <a:prstGeom prst="roundRect">
+            <a:avLst>
+              <a:gd name="adj" fmla="val 13395"/>
+            </a:avLst>
+          </a:prstGeom>
+          <a:solidFill>
+            <a:srgbClr val="DE3778"/>
+          </a:solidFill>
+        </p:spPr>
+        <p:style>
+          <a:lnRef idx="2">
+            <a:schemeClr val="accent1">
+              <a:shade val="50000"/>
+            </a:schemeClr>
+          </a:lnRef>
+          <a:fillRef idx="1">
+            <a:schemeClr val="accent1"/>
+          </a:fillRef>
+          <a:effectRef idx="0">
+            <a:schemeClr val="accent1"/>
+          </a:effectRef>
+          <a:fontRef idx="minor">
+            <a:schemeClr val="lt1"/>
+          </a:fontRef>
+        </p:style>
+        <p:txBody>
+          <a:bodyPr rtlCol="0" anchor="ctr"/>
+          <a:lstStyle/>
+          <a:p>
+            <a:pPr algn="ctr"/>
+            <a:r>
+              <a:rPr lang="en-US" sz="10000" dirty="0">
+                <a:latin typeface="Bahnschrift SemiBold" panose="020B0502040204020203" pitchFamily="34" charset="0"/>
+                <a:cs typeface="Aharoni" panose="020B0604020202020204" pitchFamily="2" charset="-79"/>
+              </a:rPr>
+              <a:t>PHP Programming</a:t>
+            </a:r>
+          </a:p>
+        </p:txBody>
+      </p:sp>
+      <p:sp>
+        <p:nvSpPr>
+          <p:cNvPr id="22" name="TextBox 21">
+            <a:extLst>
+              <a:ext uri="{FF2B5EF4-FFF2-40B4-BE49-F238E27FC236}">
+                <a16:creationId xmlns:a16="http://schemas.microsoft.com/office/drawing/2014/main" id="{E6C82A9E-8D6E-A8D2-3C9A-C8316C1EBCF4}"/>
               </a:ext>
             </a:extLst>
           </p:cNvPr>
@@ -7356,8 +7518,8 @@
         </p:nvSpPr>
         <p:spPr>
           <a:xfrm>
-            <a:off x="3579249" y="2414106"/>
-            <a:ext cx="8377518" cy="630942"/>
+            <a:off x="3410576" y="2667017"/>
+            <a:ext cx="8489687" cy="2400657"/>
           </a:xfrm>
           <a:prstGeom prst="rect">
             <a:avLst/>
@@ -7370,23 +7532,24 @@
           </a:bodyPr>
           <a:lstStyle/>
           <a:p>
-            <a:r>
-              <a:rPr lang="en-US" sz="3500" dirty="0">
+            <a:pPr algn="ctr"/>
+            <a:r>
+              <a:rPr lang="en-US" sz="15000" b="1" dirty="0">
                 <a:solidFill>
                   <a:srgbClr val="76F9A6"/>
                 </a:solidFill>
               </a:rPr>
-              <a:t>- Easy to use, work both MacOS/Windows</a:t>
-            </a:r>
-          </a:p>
-        </p:txBody>
-      </p:sp>
-      <p:sp>
-        <p:nvSpPr>
-          <p:cNvPr id="10" name="TextBox 9">
-            <a:extLst>
-              <a:ext uri="{FF2B5EF4-FFF2-40B4-BE49-F238E27FC236}">
-                <a16:creationId xmlns:a16="http://schemas.microsoft.com/office/drawing/2014/main" id="{86EC182B-F4C7-F874-4F62-1476E646125C}"/>
+              <a:t>Laravel 9</a:t>
+            </a:r>
+          </a:p>
+        </p:txBody>
+      </p:sp>
+      <p:sp>
+        <p:nvSpPr>
+          <p:cNvPr id="5" name="TextBox 4">
+            <a:extLst>
+              <a:ext uri="{FF2B5EF4-FFF2-40B4-BE49-F238E27FC236}">
+                <a16:creationId xmlns:a16="http://schemas.microsoft.com/office/drawing/2014/main" id="{71EFD319-C51E-208D-311F-B04701CB6429}"/>
               </a:ext>
             </a:extLst>
           </p:cNvPr>
@@ -7395,8 +7558,8 @@
         </p:nvSpPr>
         <p:spPr>
           <a:xfrm>
-            <a:off x="3579249" y="3548141"/>
-            <a:ext cx="8377518" cy="630942"/>
+            <a:off x="418012" y="5205536"/>
+            <a:ext cx="11421291" cy="1169551"/>
           </a:xfrm>
           <a:prstGeom prst="rect">
             <a:avLst/>
@@ -7410,67 +7573,12 @@
           <a:lstStyle/>
           <a:p>
             <a:r>
-              <a:rPr lang="en-US" sz="3500" dirty="0">
+              <a:rPr lang="en-US" sz="7000" dirty="0">
                 <a:solidFill>
-                  <a:srgbClr val="76F9A6"/>
+                  <a:schemeClr val="bg1"/>
                 </a:solidFill>
               </a:rPr>
-              <a:t>- Many </a:t>
-            </a:r>
-            <a:r>
-              <a:rPr lang="en-US" sz="3500" dirty="0" err="1">
-                <a:solidFill>
-                  <a:srgbClr val="76F9A6"/>
-                </a:solidFill>
-              </a:rPr>
-              <a:t>userful</a:t>
-            </a:r>
-            <a:r>
-              <a:rPr lang="en-US" sz="3500" dirty="0">
-                <a:solidFill>
-                  <a:srgbClr val="76F9A6"/>
-                </a:solidFill>
-              </a:rPr>
-              <a:t> extensions</a:t>
-            </a:r>
-          </a:p>
-        </p:txBody>
-      </p:sp>
-      <p:sp>
-        <p:nvSpPr>
-          <p:cNvPr id="11" name="TextBox 10">
-            <a:extLst>
-              <a:ext uri="{FF2B5EF4-FFF2-40B4-BE49-F238E27FC236}">
-                <a16:creationId xmlns:a16="http://schemas.microsoft.com/office/drawing/2014/main" id="{46CB92FA-F96F-4F28-D818-A22D7EB11345}"/>
-              </a:ext>
-            </a:extLst>
-          </p:cNvPr>
-          <p:cNvSpPr txBox="1"/>
-          <p:nvPr/>
-        </p:nvSpPr>
-        <p:spPr>
-          <a:xfrm>
-            <a:off x="3579249" y="4537211"/>
-            <a:ext cx="8377518" cy="630942"/>
-          </a:xfrm>
-          <a:prstGeom prst="rect">
-            <a:avLst/>
-          </a:prstGeom>
-          <a:noFill/>
-        </p:spPr>
-        <p:txBody>
-          <a:bodyPr wrap="square" rtlCol="0">
-            <a:spAutoFit/>
-          </a:bodyPr>
-          <a:lstStyle/>
-          <a:p>
-            <a:r>
-              <a:rPr lang="en-US" sz="3500" dirty="0">
-                <a:solidFill>
-                  <a:srgbClr val="76F9A6"/>
-                </a:solidFill>
-              </a:rPr>
-              <a:t>- Build-in git, lightweight</a:t>
+              <a:t>Thanks for watching</a:t>
             </a:r>
           </a:p>
         </p:txBody>
@@ -7478,21 +7586,452 @@
     </p:spTree>
     <p:extLst>
       <p:ext uri="{BB962C8B-B14F-4D97-AF65-F5344CB8AC3E}">
-        <p14:creationId xmlns:p14="http://schemas.microsoft.com/office/powerpoint/2010/main" val="1793830083"/>
+        <p14:creationId xmlns:p14="http://schemas.microsoft.com/office/powerpoint/2010/main" val="194354574"/>
       </p:ext>
     </p:extLst>
   </p:cSld>
   <p:clrMapOvr>
     <a:masterClrMapping/>
   </p:clrMapOvr>
-  <mc:AlternateContent xmlns:mc="http://schemas.openxmlformats.org/markup-compatibility/2006" xmlns:p14="http://schemas.microsoft.com/office/powerpoint/2010/main">
-    <mc:Choice Requires="p14">
+  <mc:AlternateContent xmlns:mc="http://schemas.openxmlformats.org/markup-compatibility/2006">
+    <mc:Choice xmlns:p14="http://schemas.microsoft.com/office/powerpoint/2010/main" Requires="p14">
       <p:transition p14:dur="10"/>
     </mc:Choice>
-    <mc:Fallback xmlns="">
+    <mc:Fallback>
       <p:transition/>
     </mc:Fallback>
   </mc:AlternateContent>
+  <p:timing>
+    <p:tnLst>
+      <p:par>
+        <p:cTn id="1" dur="indefinite" restart="never" nodeType="tmRoot">
+          <p:childTnLst>
+            <p:seq concurrent="1" nextAc="seek">
+              <p:cTn id="2" dur="indefinite" nodeType="mainSeq">
+                <p:childTnLst>
+                  <p:par>
+                    <p:cTn id="3" fill="hold">
+                      <p:stCondLst>
+                        <p:cond delay="indefinite"/>
+                      </p:stCondLst>
+                      <p:childTnLst>
+                        <p:par>
+                          <p:cTn id="4" fill="hold">
+                            <p:stCondLst>
+                              <p:cond delay="0"/>
+                            </p:stCondLst>
+                            <p:childTnLst>
+                              <p:par>
+                                <p:cTn id="5" presetID="42" presetClass="entr" presetSubtype="0" fill="hold" grpId="0" nodeType="clickEffect">
+                                  <p:stCondLst>
+                                    <p:cond delay="0"/>
+                                  </p:stCondLst>
+                                  <p:childTnLst>
+                                    <p:set>
+                                      <p:cBhvr>
+                                        <p:cTn id="6" dur="1" fill="hold">
+                                          <p:stCondLst>
+                                            <p:cond delay="0"/>
+                                          </p:stCondLst>
+                                        </p:cTn>
+                                        <p:tgtEl>
+                                          <p:spTgt spid="19"/>
+                                        </p:tgtEl>
+                                        <p:attrNameLst>
+                                          <p:attrName>style.visibility</p:attrName>
+                                        </p:attrNameLst>
+                                      </p:cBhvr>
+                                      <p:to>
+                                        <p:strVal val="visible"/>
+                                      </p:to>
+                                    </p:set>
+                                    <p:animEffect transition="in" filter="fade">
+                                      <p:cBhvr>
+                                        <p:cTn id="7" dur="1000"/>
+                                        <p:tgtEl>
+                                          <p:spTgt spid="19"/>
+                                        </p:tgtEl>
+                                      </p:cBhvr>
+                                    </p:animEffect>
+                                    <p:anim calcmode="lin" valueType="num">
+                                      <p:cBhvr>
+                                        <p:cTn id="8" dur="1000" fill="hold"/>
+                                        <p:tgtEl>
+                                          <p:spTgt spid="19"/>
+                                        </p:tgtEl>
+                                        <p:attrNameLst>
+                                          <p:attrName>ppt_x</p:attrName>
+                                        </p:attrNameLst>
+                                      </p:cBhvr>
+                                      <p:tavLst>
+                                        <p:tav tm="0">
+                                          <p:val>
+                                            <p:strVal val="#ppt_x"/>
+                                          </p:val>
+                                        </p:tav>
+                                        <p:tav tm="100000">
+                                          <p:val>
+                                            <p:strVal val="#ppt_x"/>
+                                          </p:val>
+                                        </p:tav>
+                                      </p:tavLst>
+                                    </p:anim>
+                                    <p:anim calcmode="lin" valueType="num">
+                                      <p:cBhvr>
+                                        <p:cTn id="9" dur="1000" fill="hold"/>
+                                        <p:tgtEl>
+                                          <p:spTgt spid="19"/>
+                                        </p:tgtEl>
+                                        <p:attrNameLst>
+                                          <p:attrName>ppt_y</p:attrName>
+                                        </p:attrNameLst>
+                                      </p:cBhvr>
+                                      <p:tavLst>
+                                        <p:tav tm="0">
+                                          <p:val>
+                                            <p:strVal val="#ppt_y+.1"/>
+                                          </p:val>
+                                        </p:tav>
+                                        <p:tav tm="100000">
+                                          <p:val>
+                                            <p:strVal val="#ppt_y"/>
+                                          </p:val>
+                                        </p:tav>
+                                      </p:tavLst>
+                                    </p:anim>
+                                  </p:childTnLst>
+                                </p:cTn>
+                              </p:par>
+                            </p:childTnLst>
+                          </p:cTn>
+                        </p:par>
+                      </p:childTnLst>
+                    </p:cTn>
+                  </p:par>
+                  <p:par>
+                    <p:cTn id="10" fill="hold">
+                      <p:stCondLst>
+                        <p:cond delay="indefinite"/>
+                      </p:stCondLst>
+                      <p:childTnLst>
+                        <p:par>
+                          <p:cTn id="11" fill="hold">
+                            <p:stCondLst>
+                              <p:cond delay="0"/>
+                            </p:stCondLst>
+                            <p:childTnLst>
+                              <p:par>
+                                <p:cTn id="12" presetID="53" presetClass="entr" presetSubtype="16" fill="hold" grpId="0" nodeType="clickEffect">
+                                  <p:stCondLst>
+                                    <p:cond delay="0"/>
+                                  </p:stCondLst>
+                                  <p:childTnLst>
+                                    <p:set>
+                                      <p:cBhvr>
+                                        <p:cTn id="13" dur="1" fill="hold">
+                                          <p:stCondLst>
+                                            <p:cond delay="0"/>
+                                          </p:stCondLst>
+                                        </p:cTn>
+                                        <p:tgtEl>
+                                          <p:spTgt spid="22"/>
+                                        </p:tgtEl>
+                                        <p:attrNameLst>
+                                          <p:attrName>style.visibility</p:attrName>
+                                        </p:attrNameLst>
+                                      </p:cBhvr>
+                                      <p:to>
+                                        <p:strVal val="visible"/>
+                                      </p:to>
+                                    </p:set>
+                                    <p:anim calcmode="lin" valueType="num">
+                                      <p:cBhvr>
+                                        <p:cTn id="14" dur="3000" fill="hold"/>
+                                        <p:tgtEl>
+                                          <p:spTgt spid="22"/>
+                                        </p:tgtEl>
+                                        <p:attrNameLst>
+                                          <p:attrName>ppt_w</p:attrName>
+                                        </p:attrNameLst>
+                                      </p:cBhvr>
+                                      <p:tavLst>
+                                        <p:tav tm="0">
+                                          <p:val>
+                                            <p:fltVal val="0"/>
+                                          </p:val>
+                                        </p:tav>
+                                        <p:tav tm="100000">
+                                          <p:val>
+                                            <p:strVal val="#ppt_w"/>
+                                          </p:val>
+                                        </p:tav>
+                                      </p:tavLst>
+                                    </p:anim>
+                                    <p:anim calcmode="lin" valueType="num">
+                                      <p:cBhvr>
+                                        <p:cTn id="15" dur="3000" fill="hold"/>
+                                        <p:tgtEl>
+                                          <p:spTgt spid="22"/>
+                                        </p:tgtEl>
+                                        <p:attrNameLst>
+                                          <p:attrName>ppt_h</p:attrName>
+                                        </p:attrNameLst>
+                                      </p:cBhvr>
+                                      <p:tavLst>
+                                        <p:tav tm="0">
+                                          <p:val>
+                                            <p:fltVal val="0"/>
+                                          </p:val>
+                                        </p:tav>
+                                        <p:tav tm="100000">
+                                          <p:val>
+                                            <p:strVal val="#ppt_h"/>
+                                          </p:val>
+                                        </p:tav>
+                                      </p:tavLst>
+                                    </p:anim>
+                                    <p:animEffect transition="in" filter="fade">
+                                      <p:cBhvr>
+                                        <p:cTn id="16" dur="3000"/>
+                                        <p:tgtEl>
+                                          <p:spTgt spid="22"/>
+                                        </p:tgtEl>
+                                      </p:cBhvr>
+                                    </p:animEffect>
+                                  </p:childTnLst>
+                                </p:cTn>
+                              </p:par>
+                            </p:childTnLst>
+                          </p:cTn>
+                        </p:par>
+                      </p:childTnLst>
+                    </p:cTn>
+                  </p:par>
+                  <p:par>
+                    <p:cTn id="17" fill="hold">
+                      <p:stCondLst>
+                        <p:cond delay="indefinite"/>
+                      </p:stCondLst>
+                      <p:childTnLst>
+                        <p:par>
+                          <p:cTn id="18" fill="hold">
+                            <p:stCondLst>
+                              <p:cond delay="0"/>
+                            </p:stCondLst>
+                            <p:childTnLst>
+                              <p:par>
+                                <p:cTn id="19" presetID="42" presetClass="entr" presetSubtype="0" fill="hold" nodeType="clickEffect">
+                                  <p:stCondLst>
+                                    <p:cond delay="3000"/>
+                                  </p:stCondLst>
+                                  <p:childTnLst>
+                                    <p:set>
+                                      <p:cBhvr>
+                                        <p:cTn id="20" dur="1" fill="hold">
+                                          <p:stCondLst>
+                                            <p:cond delay="0"/>
+                                          </p:stCondLst>
+                                        </p:cTn>
+                                        <p:tgtEl>
+                                          <p:spTgt spid="6"/>
+                                        </p:tgtEl>
+                                        <p:attrNameLst>
+                                          <p:attrName>style.visibility</p:attrName>
+                                        </p:attrNameLst>
+                                      </p:cBhvr>
+                                      <p:to>
+                                        <p:strVal val="visible"/>
+                                      </p:to>
+                                    </p:set>
+                                    <p:animEffect transition="in" filter="fade">
+                                      <p:cBhvr>
+                                        <p:cTn id="21" dur="1000"/>
+                                        <p:tgtEl>
+                                          <p:spTgt spid="6"/>
+                                        </p:tgtEl>
+                                      </p:cBhvr>
+                                    </p:animEffect>
+                                    <p:anim calcmode="lin" valueType="num">
+                                      <p:cBhvr>
+                                        <p:cTn id="22" dur="1000" fill="hold"/>
+                                        <p:tgtEl>
+                                          <p:spTgt spid="6"/>
+                                        </p:tgtEl>
+                                        <p:attrNameLst>
+                                          <p:attrName>ppt_x</p:attrName>
+                                        </p:attrNameLst>
+                                      </p:cBhvr>
+                                      <p:tavLst>
+                                        <p:tav tm="0">
+                                          <p:val>
+                                            <p:strVal val="#ppt_x"/>
+                                          </p:val>
+                                        </p:tav>
+                                        <p:tav tm="100000">
+                                          <p:val>
+                                            <p:strVal val="#ppt_x"/>
+                                          </p:val>
+                                        </p:tav>
+                                      </p:tavLst>
+                                    </p:anim>
+                                    <p:anim calcmode="lin" valueType="num">
+                                      <p:cBhvr>
+                                        <p:cTn id="23" dur="1000" fill="hold"/>
+                                        <p:tgtEl>
+                                          <p:spTgt spid="6"/>
+                                        </p:tgtEl>
+                                        <p:attrNameLst>
+                                          <p:attrName>ppt_y</p:attrName>
+                                        </p:attrNameLst>
+                                      </p:cBhvr>
+                                      <p:tavLst>
+                                        <p:tav tm="0">
+                                          <p:val>
+                                            <p:strVal val="#ppt_y+.1"/>
+                                          </p:val>
+                                        </p:tav>
+                                        <p:tav tm="100000">
+                                          <p:val>
+                                            <p:strVal val="#ppt_y"/>
+                                          </p:val>
+                                        </p:tav>
+                                      </p:tavLst>
+                                    </p:anim>
+                                  </p:childTnLst>
+                                </p:cTn>
+                              </p:par>
+                            </p:childTnLst>
+                          </p:cTn>
+                        </p:par>
+                      </p:childTnLst>
+                    </p:cTn>
+                  </p:par>
+                  <p:par>
+                    <p:cTn id="24" fill="hold">
+                      <p:stCondLst>
+                        <p:cond delay="indefinite"/>
+                      </p:stCondLst>
+                      <p:childTnLst>
+                        <p:par>
+                          <p:cTn id="25" fill="hold">
+                            <p:stCondLst>
+                              <p:cond delay="0"/>
+                            </p:stCondLst>
+                            <p:childTnLst>
+                              <p:par>
+                                <p:cTn id="26" presetID="42" presetClass="entr" presetSubtype="0" fill="hold" grpId="0" nodeType="clickEffect">
+                                  <p:stCondLst>
+                                    <p:cond delay="0"/>
+                                  </p:stCondLst>
+                                  <p:childTnLst>
+                                    <p:set>
+                                      <p:cBhvr>
+                                        <p:cTn id="27" dur="1" fill="hold">
+                                          <p:stCondLst>
+                                            <p:cond delay="0"/>
+                                          </p:stCondLst>
+                                        </p:cTn>
+                                        <p:tgtEl>
+                                          <p:spTgt spid="5"/>
+                                        </p:tgtEl>
+                                        <p:attrNameLst>
+                                          <p:attrName>style.visibility</p:attrName>
+                                        </p:attrNameLst>
+                                      </p:cBhvr>
+                                      <p:to>
+                                        <p:strVal val="visible"/>
+                                      </p:to>
+                                    </p:set>
+                                    <p:animEffect transition="in" filter="fade">
+                                      <p:cBhvr>
+                                        <p:cTn id="28" dur="1000"/>
+                                        <p:tgtEl>
+                                          <p:spTgt spid="5"/>
+                                        </p:tgtEl>
+                                      </p:cBhvr>
+                                    </p:animEffect>
+                                    <p:anim calcmode="lin" valueType="num">
+                                      <p:cBhvr>
+                                        <p:cTn id="29" dur="1000" fill="hold"/>
+                                        <p:tgtEl>
+                                          <p:spTgt spid="5"/>
+                                        </p:tgtEl>
+                                        <p:attrNameLst>
+                                          <p:attrName>ppt_x</p:attrName>
+                                        </p:attrNameLst>
+                                      </p:cBhvr>
+                                      <p:tavLst>
+                                        <p:tav tm="0">
+                                          <p:val>
+                                            <p:strVal val="#ppt_x"/>
+                                          </p:val>
+                                        </p:tav>
+                                        <p:tav tm="100000">
+                                          <p:val>
+                                            <p:strVal val="#ppt_x"/>
+                                          </p:val>
+                                        </p:tav>
+                                      </p:tavLst>
+                                    </p:anim>
+                                    <p:anim calcmode="lin" valueType="num">
+                                      <p:cBhvr>
+                                        <p:cTn id="30" dur="1000" fill="hold"/>
+                                        <p:tgtEl>
+                                          <p:spTgt spid="5"/>
+                                        </p:tgtEl>
+                                        <p:attrNameLst>
+                                          <p:attrName>ppt_y</p:attrName>
+                                        </p:attrNameLst>
+                                      </p:cBhvr>
+                                      <p:tavLst>
+                                        <p:tav tm="0">
+                                          <p:val>
+                                            <p:strVal val="#ppt_y+.1"/>
+                                          </p:val>
+                                        </p:tav>
+                                        <p:tav tm="100000">
+                                          <p:val>
+                                            <p:strVal val="#ppt_y"/>
+                                          </p:val>
+                                        </p:tav>
+                                      </p:tavLst>
+                                    </p:anim>
+                                  </p:childTnLst>
+                                </p:cTn>
+                              </p:par>
+                            </p:childTnLst>
+                          </p:cTn>
+                        </p:par>
+                      </p:childTnLst>
+                    </p:cTn>
+                  </p:par>
+                </p:childTnLst>
+              </p:cTn>
+              <p:prevCondLst>
+                <p:cond evt="onPrev" delay="0">
+                  <p:tgtEl>
+                    <p:sldTgt/>
+                  </p:tgtEl>
+                </p:cond>
+              </p:prevCondLst>
+              <p:nextCondLst>
+                <p:cond evt="onNext" delay="0">
+                  <p:tgtEl>
+                    <p:sldTgt/>
+                  </p:tgtEl>
+                </p:cond>
+              </p:nextCondLst>
+            </p:seq>
+          </p:childTnLst>
+        </p:cTn>
+      </p:par>
+    </p:tnLst>
+    <p:bldLst>
+      <p:bldP spid="19" grpId="0" animBg="1"/>
+      <p:bldP spid="22" grpId="0"/>
+      <p:bldP spid="5" grpId="0"/>
+    </p:bldLst>
+  </p:timing>
 </p:sld>
 </file>
 
@@ -7521,6 +8060,45 @@
           <a:chExt cx="0" cy="0"/>
         </a:xfrm>
       </p:grpSpPr>
+      <p:sp>
+        <p:nvSpPr>
+          <p:cNvPr id="4" name="TextBox 3">
+            <a:extLst>
+              <a:ext uri="{FF2B5EF4-FFF2-40B4-BE49-F238E27FC236}">
+                <a16:creationId xmlns:a16="http://schemas.microsoft.com/office/drawing/2014/main" id="{05607554-A8B7-74D6-FA97-288F0B14BD24}"/>
+              </a:ext>
+            </a:extLst>
+          </p:cNvPr>
+          <p:cNvSpPr txBox="1"/>
+          <p:nvPr/>
+        </p:nvSpPr>
+        <p:spPr>
+          <a:xfrm>
+            <a:off x="1974476" y="366408"/>
+            <a:ext cx="8377518" cy="1323439"/>
+          </a:xfrm>
+          <a:prstGeom prst="rect">
+            <a:avLst/>
+          </a:prstGeom>
+          <a:noFill/>
+        </p:spPr>
+        <p:txBody>
+          <a:bodyPr wrap="square" rtlCol="0">
+            <a:spAutoFit/>
+          </a:bodyPr>
+          <a:lstStyle/>
+          <a:p>
+            <a:r>
+              <a:rPr lang="en-US" sz="8000" dirty="0">
+                <a:solidFill>
+                  <a:schemeClr val="bg1"/>
+                </a:solidFill>
+              </a:rPr>
+              <a:t>Visual Studio Code</a:t>
+            </a:r>
+          </a:p>
+        </p:txBody>
+      </p:sp>
       <p:pic>
         <p:nvPicPr>
           <p:cNvPr id="6" name="Picture 5" descr="Icon&#10;&#10;Description automatically generated">
@@ -7549,8 +8127,8 @@
         </p:blipFill>
         <p:spPr>
           <a:xfrm>
-            <a:off x="9498106" y="163217"/>
-            <a:ext cx="1900518" cy="1900518"/>
+            <a:off x="357692" y="2490306"/>
+            <a:ext cx="2677847" cy="2677847"/>
           </a:xfrm>
           <a:prstGeom prst="rect">
             <a:avLst/>
@@ -7559,82 +8137,20 @@
       </p:pic>
       <p:sp>
         <p:nvSpPr>
-          <p:cNvPr id="7" name="Rectangle: Rounded Corners 6">
-            <a:extLst>
-              <a:ext uri="{FF2B5EF4-FFF2-40B4-BE49-F238E27FC236}">
-                <a16:creationId xmlns:a16="http://schemas.microsoft.com/office/drawing/2014/main" id="{30ADFF08-8B69-2267-2997-AB94409F105F}"/>
-              </a:ext>
-            </a:extLst>
-          </p:cNvPr>
-          <p:cNvSpPr/>
+          <p:cNvPr id="9" name="TextBox 8">
+            <a:extLst>
+              <a:ext uri="{FF2B5EF4-FFF2-40B4-BE49-F238E27FC236}">
+                <a16:creationId xmlns:a16="http://schemas.microsoft.com/office/drawing/2014/main" id="{1DBA753E-00E7-CC0F-998C-50ADE836E283}"/>
+              </a:ext>
+            </a:extLst>
+          </p:cNvPr>
+          <p:cNvSpPr txBox="1"/>
           <p:nvPr/>
         </p:nvSpPr>
         <p:spPr>
           <a:xfrm>
-            <a:off x="369794" y="501858"/>
-            <a:ext cx="8440270" cy="1102660"/>
-          </a:xfrm>
-          <a:prstGeom prst="roundRect">
-            <a:avLst/>
-          </a:prstGeom>
-          <a:solidFill>
-            <a:srgbClr val="DE3778"/>
-          </a:solidFill>
-        </p:spPr>
-        <p:style>
-          <a:lnRef idx="2">
-            <a:schemeClr val="accent1">
-              <a:shade val="50000"/>
-            </a:schemeClr>
-          </a:lnRef>
-          <a:fillRef idx="1">
-            <a:schemeClr val="accent1"/>
-          </a:fillRef>
-          <a:effectRef idx="0">
-            <a:schemeClr val="accent1"/>
-          </a:effectRef>
-          <a:fontRef idx="minor">
-            <a:schemeClr val="lt1"/>
-          </a:fontRef>
-        </p:style>
-        <p:txBody>
-          <a:bodyPr rtlCol="0" anchor="ctr"/>
-          <a:lstStyle/>
-          <a:p>
-            <a:pPr algn="ctr"/>
-            <a:r>
-              <a:rPr lang="en-US" sz="5000" dirty="0" err="1">
-                <a:latin typeface="Bahnschrift SemiBold" panose="020B0502040204020203" pitchFamily="34" charset="0"/>
-                <a:cs typeface="Aharoni" panose="020B0604020202020204" pitchFamily="2" charset="-79"/>
-              </a:rPr>
-              <a:t>VSCode</a:t>
-            </a:r>
-            <a:r>
-              <a:rPr lang="en-US" sz="5000" dirty="0">
-                <a:latin typeface="Bahnschrift SemiBold" panose="020B0502040204020203" pitchFamily="34" charset="0"/>
-                <a:cs typeface="Aharoni" panose="020B0604020202020204" pitchFamily="2" charset="-79"/>
-              </a:rPr>
-              <a:t> Extensions</a:t>
-            </a:r>
-          </a:p>
-        </p:txBody>
-      </p:sp>
-      <p:sp>
-        <p:nvSpPr>
-          <p:cNvPr id="8" name="TextBox 7">
-            <a:extLst>
-              <a:ext uri="{FF2B5EF4-FFF2-40B4-BE49-F238E27FC236}">
-                <a16:creationId xmlns:a16="http://schemas.microsoft.com/office/drawing/2014/main" id="{CD80FEF0-0D19-47BA-439F-86BCCE6B4B22}"/>
-              </a:ext>
-            </a:extLst>
-          </p:cNvPr>
-          <p:cNvSpPr txBox="1"/>
-          <p:nvPr/>
-        </p:nvSpPr>
-        <p:spPr>
-          <a:xfrm>
-            <a:off x="445994" y="2175900"/>
-            <a:ext cx="7077636" cy="707886"/>
+            <a:off x="3579249" y="2414106"/>
+            <a:ext cx="8377518" cy="630942"/>
           </a:xfrm>
           <a:prstGeom prst="rect">
             <a:avLst/>
@@ -7648,22 +8164,22 @@
           <a:lstStyle/>
           <a:p>
             <a:r>
-              <a:rPr lang="en-US" sz="4000" dirty="0">
+              <a:rPr lang="en-US" sz="3500" dirty="0">
                 <a:solidFill>
-                  <a:schemeClr val="bg1"/>
+                  <a:srgbClr val="76F9A6"/>
                 </a:solidFill>
               </a:rPr>
-              <a:t>Laravel Artisan, </a:t>
-            </a:r>
-          </a:p>
-        </p:txBody>
-      </p:sp>
-      <p:sp>
-        <p:nvSpPr>
-          <p:cNvPr id="13" name="TextBox 12">
-            <a:extLst>
-              <a:ext uri="{FF2B5EF4-FFF2-40B4-BE49-F238E27FC236}">
-                <a16:creationId xmlns:a16="http://schemas.microsoft.com/office/drawing/2014/main" id="{189705D4-C237-99A8-89CC-E6A31C0BB842}"/>
+              <a:t>- Easy to use, work both MacOS/Windows</a:t>
+            </a:r>
+          </a:p>
+        </p:txBody>
+      </p:sp>
+      <p:sp>
+        <p:nvSpPr>
+          <p:cNvPr id="10" name="TextBox 9">
+            <a:extLst>
+              <a:ext uri="{FF2B5EF4-FFF2-40B4-BE49-F238E27FC236}">
+                <a16:creationId xmlns:a16="http://schemas.microsoft.com/office/drawing/2014/main" id="{86EC182B-F4C7-F874-4F62-1476E646125C}"/>
               </a:ext>
             </a:extLst>
           </p:cNvPr>
@@ -7672,8 +8188,8 @@
         </p:nvSpPr>
         <p:spPr>
           <a:xfrm>
-            <a:off x="445994" y="2942544"/>
-            <a:ext cx="7077636" cy="707886"/>
+            <a:off x="3579249" y="3548141"/>
+            <a:ext cx="8377518" cy="630942"/>
           </a:xfrm>
           <a:prstGeom prst="rect">
             <a:avLst/>
@@ -7687,22 +8203,38 @@
           <a:lstStyle/>
           <a:p>
             <a:r>
-              <a:rPr lang="en-US" sz="4000" dirty="0">
+              <a:rPr lang="en-US" sz="3500" dirty="0">
                 <a:solidFill>
-                  <a:schemeClr val="bg1"/>
+                  <a:srgbClr val="76F9A6"/>
                 </a:solidFill>
               </a:rPr>
-              <a:t>Laravel Blade Snippets</a:t>
-            </a:r>
-          </a:p>
-        </p:txBody>
-      </p:sp>
-      <p:sp>
-        <p:nvSpPr>
-          <p:cNvPr id="14" name="TextBox 13">
-            <a:extLst>
-              <a:ext uri="{FF2B5EF4-FFF2-40B4-BE49-F238E27FC236}">
-                <a16:creationId xmlns:a16="http://schemas.microsoft.com/office/drawing/2014/main" id="{B2B38D82-AC37-F1DB-DEE5-95F4199153F3}"/>
+              <a:t>- Many </a:t>
+            </a:r>
+            <a:r>
+              <a:rPr lang="en-US" sz="3500" dirty="0" err="1">
+                <a:solidFill>
+                  <a:srgbClr val="76F9A6"/>
+                </a:solidFill>
+              </a:rPr>
+              <a:t>userful</a:t>
+            </a:r>
+            <a:r>
+              <a:rPr lang="en-US" sz="3500" dirty="0">
+                <a:solidFill>
+                  <a:srgbClr val="76F9A6"/>
+                </a:solidFill>
+              </a:rPr>
+              <a:t> extensions</a:t>
+            </a:r>
+          </a:p>
+        </p:txBody>
+      </p:sp>
+      <p:sp>
+        <p:nvSpPr>
+          <p:cNvPr id="11" name="TextBox 10">
+            <a:extLst>
+              <a:ext uri="{FF2B5EF4-FFF2-40B4-BE49-F238E27FC236}">
+                <a16:creationId xmlns:a16="http://schemas.microsoft.com/office/drawing/2014/main" id="{46CB92FA-F96F-4F28-D818-A22D7EB11345}"/>
               </a:ext>
             </a:extLst>
           </p:cNvPr>
@@ -7711,8 +8243,8 @@
         </p:nvSpPr>
         <p:spPr>
           <a:xfrm>
-            <a:off x="401170" y="4582647"/>
-            <a:ext cx="7077636" cy="707886"/>
+            <a:off x="3579249" y="4537211"/>
+            <a:ext cx="8377518" cy="630942"/>
           </a:xfrm>
           <a:prstGeom prst="rect">
             <a:avLst/>
@@ -7726,369 +8258,20 @@
           <a:lstStyle/>
           <a:p>
             <a:r>
-              <a:rPr lang="en-US" sz="4000" dirty="0">
+              <a:rPr lang="en-US" sz="3500" dirty="0">
                 <a:solidFill>
-                  <a:schemeClr val="bg1"/>
+                  <a:srgbClr val="76F9A6"/>
                 </a:solidFill>
               </a:rPr>
-              <a:t>Laravel </a:t>
-            </a:r>
-            <a:r>
-              <a:rPr lang="en-US" sz="4000" dirty="0" err="1">
-                <a:solidFill>
-                  <a:schemeClr val="bg1"/>
-                </a:solidFill>
-              </a:rPr>
-              <a:t>goto</a:t>
-            </a:r>
-            <a:r>
-              <a:rPr lang="en-US" sz="4000" dirty="0">
-                <a:solidFill>
-                  <a:schemeClr val="bg1"/>
-                </a:solidFill>
-              </a:rPr>
-              <a:t> view</a:t>
-            </a:r>
-          </a:p>
-        </p:txBody>
-      </p:sp>
-      <p:sp>
-        <p:nvSpPr>
-          <p:cNvPr id="15" name="TextBox 14">
-            <a:extLst>
-              <a:ext uri="{FF2B5EF4-FFF2-40B4-BE49-F238E27FC236}">
-                <a16:creationId xmlns:a16="http://schemas.microsoft.com/office/drawing/2014/main" id="{62F36922-1BB3-26DA-367A-7923CC8C53B8}"/>
-              </a:ext>
-            </a:extLst>
-          </p:cNvPr>
-          <p:cNvSpPr txBox="1"/>
-          <p:nvPr/>
-        </p:nvSpPr>
-        <p:spPr>
-          <a:xfrm>
-            <a:off x="369794" y="5398279"/>
-            <a:ext cx="4173071" cy="707886"/>
-          </a:xfrm>
-          <a:prstGeom prst="rect">
-            <a:avLst/>
-          </a:prstGeom>
-          <a:noFill/>
-        </p:spPr>
-        <p:txBody>
-          <a:bodyPr wrap="square" rtlCol="0">
-            <a:spAutoFit/>
-          </a:bodyPr>
-          <a:lstStyle/>
-          <a:p>
-            <a:r>
-              <a:rPr lang="en-US" sz="4000" dirty="0" err="1">
-                <a:solidFill>
-                  <a:schemeClr val="bg1"/>
-                </a:solidFill>
-              </a:rPr>
-              <a:t>laravel</a:t>
-            </a:r>
-            <a:r>
-              <a:rPr lang="en-US" sz="4000" dirty="0">
-                <a:solidFill>
-                  <a:schemeClr val="bg1"/>
-                </a:solidFill>
-              </a:rPr>
-              <a:t> snippets</a:t>
-            </a:r>
-          </a:p>
-        </p:txBody>
-      </p:sp>
-      <p:sp>
-        <p:nvSpPr>
-          <p:cNvPr id="16" name="TextBox 15">
-            <a:extLst>
-              <a:ext uri="{FF2B5EF4-FFF2-40B4-BE49-F238E27FC236}">
-                <a16:creationId xmlns:a16="http://schemas.microsoft.com/office/drawing/2014/main" id="{4C854EC6-1A92-DE7F-66BA-1B7A98A79943}"/>
-              </a:ext>
-            </a:extLst>
-          </p:cNvPr>
-          <p:cNvSpPr txBox="1"/>
-          <p:nvPr/>
-        </p:nvSpPr>
-        <p:spPr>
-          <a:xfrm>
-            <a:off x="5813613" y="2175900"/>
-            <a:ext cx="7077636" cy="707886"/>
-          </a:xfrm>
-          <a:prstGeom prst="rect">
-            <a:avLst/>
-          </a:prstGeom>
-          <a:noFill/>
-        </p:spPr>
-        <p:txBody>
-          <a:bodyPr wrap="square" rtlCol="0">
-            <a:spAutoFit/>
-          </a:bodyPr>
-          <a:lstStyle/>
-          <a:p>
-            <a:r>
-              <a:rPr lang="en-US" sz="4000" dirty="0">
-                <a:solidFill>
-                  <a:schemeClr val="bg1"/>
-                </a:solidFill>
-              </a:rPr>
-              <a:t>Laravel Extra </a:t>
-            </a:r>
-            <a:r>
-              <a:rPr lang="en-US" sz="4000" dirty="0" err="1">
-                <a:solidFill>
-                  <a:schemeClr val="bg1"/>
-                </a:solidFill>
-              </a:rPr>
-              <a:t>Intellisense</a:t>
-            </a:r>
-            <a:endParaRPr lang="en-US" sz="4000" dirty="0">
-              <a:solidFill>
-                <a:schemeClr val="bg1"/>
-              </a:solidFill>
-            </a:endParaRPr>
-          </a:p>
-        </p:txBody>
-      </p:sp>
-      <p:sp>
-        <p:nvSpPr>
-          <p:cNvPr id="17" name="TextBox 16">
-            <a:extLst>
-              <a:ext uri="{FF2B5EF4-FFF2-40B4-BE49-F238E27FC236}">
-                <a16:creationId xmlns:a16="http://schemas.microsoft.com/office/drawing/2014/main" id="{0B057016-33B9-0A08-1C38-2A303871AC46}"/>
-              </a:ext>
-            </a:extLst>
-          </p:cNvPr>
-          <p:cNvSpPr txBox="1"/>
-          <p:nvPr/>
-        </p:nvSpPr>
-        <p:spPr>
-          <a:xfrm>
-            <a:off x="5836025" y="2898786"/>
-            <a:ext cx="7077636" cy="707886"/>
-          </a:xfrm>
-          <a:prstGeom prst="rect">
-            <a:avLst/>
-          </a:prstGeom>
-          <a:noFill/>
-        </p:spPr>
-        <p:txBody>
-          <a:bodyPr wrap="square" rtlCol="0">
-            <a:spAutoFit/>
-          </a:bodyPr>
-          <a:lstStyle/>
-          <a:p>
-            <a:r>
-              <a:rPr lang="en-US" sz="4000" dirty="0">
-                <a:solidFill>
-                  <a:schemeClr val="bg1"/>
-                </a:solidFill>
-              </a:rPr>
-              <a:t>Live Sass Compiler</a:t>
-            </a:r>
-          </a:p>
-        </p:txBody>
-      </p:sp>
-      <p:sp>
-        <p:nvSpPr>
-          <p:cNvPr id="18" name="TextBox 17">
-            <a:extLst>
-              <a:ext uri="{FF2B5EF4-FFF2-40B4-BE49-F238E27FC236}">
-                <a16:creationId xmlns:a16="http://schemas.microsoft.com/office/drawing/2014/main" id="{F297B4CB-BB7E-1FF7-CF10-D6CABF434AF4}"/>
-              </a:ext>
-            </a:extLst>
-          </p:cNvPr>
-          <p:cNvSpPr txBox="1"/>
-          <p:nvPr/>
-        </p:nvSpPr>
-        <p:spPr>
-          <a:xfrm>
-            <a:off x="5836025" y="3709188"/>
-            <a:ext cx="7077636" cy="707886"/>
-          </a:xfrm>
-          <a:prstGeom prst="rect">
-            <a:avLst/>
-          </a:prstGeom>
-          <a:noFill/>
-        </p:spPr>
-        <p:txBody>
-          <a:bodyPr wrap="square" rtlCol="0">
-            <a:spAutoFit/>
-          </a:bodyPr>
-          <a:lstStyle/>
-          <a:p>
-            <a:r>
-              <a:rPr lang="en-US" sz="4000" dirty="0">
-                <a:solidFill>
-                  <a:schemeClr val="bg1"/>
-                </a:solidFill>
-              </a:rPr>
-              <a:t>Beautify </a:t>
-            </a:r>
-            <a:r>
-              <a:rPr lang="en-US" sz="4000" dirty="0" err="1">
-                <a:solidFill>
-                  <a:schemeClr val="bg1"/>
-                </a:solidFill>
-              </a:rPr>
-              <a:t>css</a:t>
-            </a:r>
-            <a:r>
-              <a:rPr lang="en-US" sz="4000" dirty="0">
-                <a:solidFill>
-                  <a:schemeClr val="bg1"/>
-                </a:solidFill>
-              </a:rPr>
-              <a:t>/sass/</a:t>
-            </a:r>
-            <a:r>
-              <a:rPr lang="en-US" sz="4000" dirty="0" err="1">
-                <a:solidFill>
-                  <a:schemeClr val="bg1"/>
-                </a:solidFill>
-              </a:rPr>
-              <a:t>scss</a:t>
-            </a:r>
-            <a:r>
-              <a:rPr lang="en-US" sz="4000" dirty="0">
-                <a:solidFill>
-                  <a:schemeClr val="bg1"/>
-                </a:solidFill>
-              </a:rPr>
-              <a:t>/less</a:t>
-            </a:r>
-          </a:p>
-        </p:txBody>
-      </p:sp>
-      <p:sp>
-        <p:nvSpPr>
-          <p:cNvPr id="19" name="TextBox 18">
-            <a:extLst>
-              <a:ext uri="{FF2B5EF4-FFF2-40B4-BE49-F238E27FC236}">
-                <a16:creationId xmlns:a16="http://schemas.microsoft.com/office/drawing/2014/main" id="{9095AF86-C7B9-7333-99C8-7C957E9A6BC3}"/>
-              </a:ext>
-            </a:extLst>
-          </p:cNvPr>
-          <p:cNvSpPr txBox="1"/>
-          <p:nvPr/>
-        </p:nvSpPr>
-        <p:spPr>
-          <a:xfrm>
-            <a:off x="439271" y="3737837"/>
-            <a:ext cx="4843182" cy="707886"/>
-          </a:xfrm>
-          <a:prstGeom prst="rect">
-            <a:avLst/>
-          </a:prstGeom>
-          <a:noFill/>
-        </p:spPr>
-        <p:txBody>
-          <a:bodyPr wrap="square" rtlCol="0">
-            <a:spAutoFit/>
-          </a:bodyPr>
-          <a:lstStyle/>
-          <a:p>
-            <a:r>
-              <a:rPr lang="en-US" sz="4000" dirty="0">
-                <a:solidFill>
-                  <a:schemeClr val="bg1"/>
-                </a:solidFill>
-              </a:rPr>
-              <a:t>Laravel Blade Spacer</a:t>
-            </a:r>
-          </a:p>
-        </p:txBody>
-      </p:sp>
-      <p:sp>
-        <p:nvSpPr>
-          <p:cNvPr id="20" name="TextBox 19">
-            <a:extLst>
-              <a:ext uri="{FF2B5EF4-FFF2-40B4-BE49-F238E27FC236}">
-                <a16:creationId xmlns:a16="http://schemas.microsoft.com/office/drawing/2014/main" id="{B919AE1E-12C7-CC70-DB25-B9F576FD70F4}"/>
-              </a:ext>
-            </a:extLst>
-          </p:cNvPr>
-          <p:cNvSpPr txBox="1"/>
-          <p:nvPr/>
-        </p:nvSpPr>
-        <p:spPr>
-          <a:xfrm>
-            <a:off x="5885331" y="4647570"/>
-            <a:ext cx="5136776" cy="707886"/>
-          </a:xfrm>
-          <a:prstGeom prst="rect">
-            <a:avLst/>
-          </a:prstGeom>
-          <a:noFill/>
-        </p:spPr>
-        <p:txBody>
-          <a:bodyPr wrap="square" rtlCol="0">
-            <a:spAutoFit/>
-          </a:bodyPr>
-          <a:lstStyle/>
-          <a:p>
-            <a:r>
-              <a:rPr lang="en-US" sz="4000" dirty="0">
-                <a:solidFill>
-                  <a:schemeClr val="bg1"/>
-                </a:solidFill>
-              </a:rPr>
-              <a:t>PHP IntelliSense</a:t>
-            </a:r>
-          </a:p>
-        </p:txBody>
-      </p:sp>
-      <p:sp>
-        <p:nvSpPr>
-          <p:cNvPr id="21" name="TextBox 20">
-            <a:extLst>
-              <a:ext uri="{FF2B5EF4-FFF2-40B4-BE49-F238E27FC236}">
-                <a16:creationId xmlns:a16="http://schemas.microsoft.com/office/drawing/2014/main" id="{A0D5622B-6F5B-DF1B-E8E6-FF42CF405A86}"/>
-              </a:ext>
-            </a:extLst>
-          </p:cNvPr>
-          <p:cNvSpPr txBox="1"/>
-          <p:nvPr/>
-        </p:nvSpPr>
-        <p:spPr>
-          <a:xfrm>
-            <a:off x="5844988" y="5330406"/>
-            <a:ext cx="6539754" cy="1323439"/>
-          </a:xfrm>
-          <a:prstGeom prst="rect">
-            <a:avLst/>
-          </a:prstGeom>
-          <a:noFill/>
-        </p:spPr>
-        <p:txBody>
-          <a:bodyPr wrap="square" rtlCol="0">
-            <a:spAutoFit/>
-          </a:bodyPr>
-          <a:lstStyle/>
-          <a:p>
-            <a:r>
-              <a:rPr lang="en-US" sz="4000" dirty="0">
-                <a:solidFill>
-                  <a:schemeClr val="bg1"/>
-                </a:solidFill>
-              </a:rPr>
-              <a:t>Getter and Setter Generator</a:t>
-            </a:r>
-          </a:p>
-          <a:p>
-            <a:endParaRPr lang="en-US" sz="4000" dirty="0">
-              <a:solidFill>
-                <a:schemeClr val="bg1"/>
-              </a:solidFill>
-            </a:endParaRPr>
+              <a:t>- Build-in git, lightweight</a:t>
+            </a:r>
           </a:p>
         </p:txBody>
       </p:sp>
     </p:spTree>
     <p:extLst>
       <p:ext uri="{BB962C8B-B14F-4D97-AF65-F5344CB8AC3E}">
-        <p14:creationId xmlns:p14="http://schemas.microsoft.com/office/powerpoint/2010/main" val="4215868519"/>
+        <p14:creationId xmlns:p14="http://schemas.microsoft.com/office/powerpoint/2010/main" val="1793830083"/>
       </p:ext>
     </p:extLst>
   </p:cSld>
@@ -8243,7 +8426,7 @@
         </p:nvSpPr>
         <p:spPr>
           <a:xfrm>
-            <a:off x="445994" y="2147251"/>
+            <a:off x="445994" y="2175900"/>
             <a:ext cx="7077636" cy="707886"/>
           </a:xfrm>
           <a:prstGeom prst="rect">
@@ -8302,7 +8485,7 @@
                   <a:schemeClr val="bg1"/>
                 </a:solidFill>
               </a:rPr>
-              <a:t>Getter and Setter Generator</a:t>
+              <a:t>Laravel Blade Snippets</a:t>
             </a:r>
           </a:p>
         </p:txBody>
@@ -8321,7 +8504,7 @@
         </p:nvSpPr>
         <p:spPr>
           <a:xfrm>
-            <a:off x="439270" y="4574223"/>
+            <a:off x="401170" y="4582647"/>
             <a:ext cx="7077636" cy="707886"/>
           </a:xfrm>
           <a:prstGeom prst="rect">
@@ -8336,12 +8519,20 @@
           <a:lstStyle/>
           <a:p>
             <a:r>
+              <a:rPr lang="en-US" sz="4000" dirty="0">
+                <a:solidFill>
+                  <a:schemeClr val="bg1"/>
+                </a:solidFill>
+              </a:rPr>
+              <a:t>Laravel </a:t>
+            </a:r>
+            <a:r>
               <a:rPr lang="en-US" sz="4000" dirty="0" err="1">
                 <a:solidFill>
                   <a:schemeClr val="bg1"/>
                 </a:solidFill>
               </a:rPr>
-              <a:t>Vscode</a:t>
+              <a:t>goto</a:t>
             </a:r>
             <a:r>
               <a:rPr lang="en-US" sz="4000" dirty="0">
@@ -8349,7 +8540,7 @@
                   <a:schemeClr val="bg1"/>
                 </a:solidFill>
               </a:rPr>
-              <a:t>-icons</a:t>
+              <a:t> view</a:t>
             </a:r>
           </a:p>
         </p:txBody>
@@ -8368,8 +8559,8 @@
         </p:nvSpPr>
         <p:spPr>
           <a:xfrm>
-            <a:off x="439269" y="5410609"/>
-            <a:ext cx="9390529" cy="707886"/>
+            <a:off x="369794" y="5398279"/>
+            <a:ext cx="4173071" cy="707886"/>
           </a:xfrm>
           <a:prstGeom prst="rect">
             <a:avLst/>
@@ -8383,22 +8574,30 @@
           <a:lstStyle/>
           <a:p>
             <a:r>
+              <a:rPr lang="en-US" sz="4000" dirty="0" err="1">
+                <a:solidFill>
+                  <a:schemeClr val="bg1"/>
+                </a:solidFill>
+              </a:rPr>
+              <a:t>laravel</a:t>
+            </a:r>
+            <a:r>
               <a:rPr lang="en-US" sz="4000" dirty="0">
                 <a:solidFill>
                   <a:schemeClr val="bg1"/>
                 </a:solidFill>
               </a:rPr>
-              <a:t>JavaScript (ES6) code snippets</a:t>
-            </a:r>
-          </a:p>
-        </p:txBody>
-      </p:sp>
-      <p:sp>
-        <p:nvSpPr>
-          <p:cNvPr id="19" name="TextBox 18">
-            <a:extLst>
-              <a:ext uri="{FF2B5EF4-FFF2-40B4-BE49-F238E27FC236}">
-                <a16:creationId xmlns:a16="http://schemas.microsoft.com/office/drawing/2014/main" id="{9095AF86-C7B9-7333-99C8-7C957E9A6BC3}"/>
+              <a:t> snippets</a:t>
+            </a:r>
+          </a:p>
+        </p:txBody>
+      </p:sp>
+      <p:sp>
+        <p:nvSpPr>
+          <p:cNvPr id="16" name="TextBox 15">
+            <a:extLst>
+              <a:ext uri="{FF2B5EF4-FFF2-40B4-BE49-F238E27FC236}">
+                <a16:creationId xmlns:a16="http://schemas.microsoft.com/office/drawing/2014/main" id="{4C854EC6-1A92-DE7F-66BA-1B7A98A79943}"/>
               </a:ext>
             </a:extLst>
           </p:cNvPr>
@@ -8407,8 +8606,8 @@
         </p:nvSpPr>
         <p:spPr>
           <a:xfrm>
-            <a:off x="439270" y="3737837"/>
-            <a:ext cx="9390529" cy="707886"/>
+            <a:off x="5813613" y="2175900"/>
+            <a:ext cx="7077636" cy="707886"/>
           </a:xfrm>
           <a:prstGeom prst="rect">
             <a:avLst/>
@@ -8427,15 +8626,262 @@
                   <a:schemeClr val="bg1"/>
                 </a:solidFill>
               </a:rPr>
-              <a:t>Bracket Pair Colorization Toggler</a:t>
-            </a:r>
+              <a:t>Laravel Extra </a:t>
+            </a:r>
+            <a:r>
+              <a:rPr lang="en-US" sz="4000" dirty="0" err="1">
+                <a:solidFill>
+                  <a:schemeClr val="bg1"/>
+                </a:solidFill>
+              </a:rPr>
+              <a:t>Intellisense</a:t>
+            </a:r>
+            <a:endParaRPr lang="en-US" sz="4000" dirty="0">
+              <a:solidFill>
+                <a:schemeClr val="bg1"/>
+              </a:solidFill>
+            </a:endParaRPr>
+          </a:p>
+        </p:txBody>
+      </p:sp>
+      <p:sp>
+        <p:nvSpPr>
+          <p:cNvPr id="17" name="TextBox 16">
+            <a:extLst>
+              <a:ext uri="{FF2B5EF4-FFF2-40B4-BE49-F238E27FC236}">
+                <a16:creationId xmlns:a16="http://schemas.microsoft.com/office/drawing/2014/main" id="{0B057016-33B9-0A08-1C38-2A303871AC46}"/>
+              </a:ext>
+            </a:extLst>
+          </p:cNvPr>
+          <p:cNvSpPr txBox="1"/>
+          <p:nvPr/>
+        </p:nvSpPr>
+        <p:spPr>
+          <a:xfrm>
+            <a:off x="5836025" y="2898786"/>
+            <a:ext cx="7077636" cy="707886"/>
+          </a:xfrm>
+          <a:prstGeom prst="rect">
+            <a:avLst/>
+          </a:prstGeom>
+          <a:noFill/>
+        </p:spPr>
+        <p:txBody>
+          <a:bodyPr wrap="square" rtlCol="0">
+            <a:spAutoFit/>
+          </a:bodyPr>
+          <a:lstStyle/>
+          <a:p>
+            <a:r>
+              <a:rPr lang="en-US" sz="4000" dirty="0">
+                <a:solidFill>
+                  <a:schemeClr val="bg1"/>
+                </a:solidFill>
+              </a:rPr>
+              <a:t>Live Sass Compiler</a:t>
+            </a:r>
+          </a:p>
+        </p:txBody>
+      </p:sp>
+      <p:sp>
+        <p:nvSpPr>
+          <p:cNvPr id="18" name="TextBox 17">
+            <a:extLst>
+              <a:ext uri="{FF2B5EF4-FFF2-40B4-BE49-F238E27FC236}">
+                <a16:creationId xmlns:a16="http://schemas.microsoft.com/office/drawing/2014/main" id="{F297B4CB-BB7E-1FF7-CF10-D6CABF434AF4}"/>
+              </a:ext>
+            </a:extLst>
+          </p:cNvPr>
+          <p:cNvSpPr txBox="1"/>
+          <p:nvPr/>
+        </p:nvSpPr>
+        <p:spPr>
+          <a:xfrm>
+            <a:off x="5836025" y="3709188"/>
+            <a:ext cx="7077636" cy="707886"/>
+          </a:xfrm>
+          <a:prstGeom prst="rect">
+            <a:avLst/>
+          </a:prstGeom>
+          <a:noFill/>
+        </p:spPr>
+        <p:txBody>
+          <a:bodyPr wrap="square" rtlCol="0">
+            <a:spAutoFit/>
+          </a:bodyPr>
+          <a:lstStyle/>
+          <a:p>
+            <a:r>
+              <a:rPr lang="en-US" sz="4000" dirty="0">
+                <a:solidFill>
+                  <a:schemeClr val="bg1"/>
+                </a:solidFill>
+              </a:rPr>
+              <a:t>Beautify </a:t>
+            </a:r>
+            <a:r>
+              <a:rPr lang="en-US" sz="4000" dirty="0" err="1">
+                <a:solidFill>
+                  <a:schemeClr val="bg1"/>
+                </a:solidFill>
+              </a:rPr>
+              <a:t>css</a:t>
+            </a:r>
+            <a:r>
+              <a:rPr lang="en-US" sz="4000" dirty="0">
+                <a:solidFill>
+                  <a:schemeClr val="bg1"/>
+                </a:solidFill>
+              </a:rPr>
+              <a:t>/sass/</a:t>
+            </a:r>
+            <a:r>
+              <a:rPr lang="en-US" sz="4000" dirty="0" err="1">
+                <a:solidFill>
+                  <a:schemeClr val="bg1"/>
+                </a:solidFill>
+              </a:rPr>
+              <a:t>scss</a:t>
+            </a:r>
+            <a:r>
+              <a:rPr lang="en-US" sz="4000" dirty="0">
+                <a:solidFill>
+                  <a:schemeClr val="bg1"/>
+                </a:solidFill>
+              </a:rPr>
+              <a:t>/less</a:t>
+            </a:r>
+          </a:p>
+        </p:txBody>
+      </p:sp>
+      <p:sp>
+        <p:nvSpPr>
+          <p:cNvPr id="19" name="TextBox 18">
+            <a:extLst>
+              <a:ext uri="{FF2B5EF4-FFF2-40B4-BE49-F238E27FC236}">
+                <a16:creationId xmlns:a16="http://schemas.microsoft.com/office/drawing/2014/main" id="{9095AF86-C7B9-7333-99C8-7C957E9A6BC3}"/>
+              </a:ext>
+            </a:extLst>
+          </p:cNvPr>
+          <p:cNvSpPr txBox="1"/>
+          <p:nvPr/>
+        </p:nvSpPr>
+        <p:spPr>
+          <a:xfrm>
+            <a:off x="439271" y="3737837"/>
+            <a:ext cx="4843182" cy="707886"/>
+          </a:xfrm>
+          <a:prstGeom prst="rect">
+            <a:avLst/>
+          </a:prstGeom>
+          <a:noFill/>
+        </p:spPr>
+        <p:txBody>
+          <a:bodyPr wrap="square" rtlCol="0">
+            <a:spAutoFit/>
+          </a:bodyPr>
+          <a:lstStyle/>
+          <a:p>
+            <a:r>
+              <a:rPr lang="en-US" sz="4000" dirty="0">
+                <a:solidFill>
+                  <a:schemeClr val="bg1"/>
+                </a:solidFill>
+              </a:rPr>
+              <a:t>Laravel Blade Spacer</a:t>
+            </a:r>
+          </a:p>
+        </p:txBody>
+      </p:sp>
+      <p:sp>
+        <p:nvSpPr>
+          <p:cNvPr id="20" name="TextBox 19">
+            <a:extLst>
+              <a:ext uri="{FF2B5EF4-FFF2-40B4-BE49-F238E27FC236}">
+                <a16:creationId xmlns:a16="http://schemas.microsoft.com/office/drawing/2014/main" id="{B919AE1E-12C7-CC70-DB25-B9F576FD70F4}"/>
+              </a:ext>
+            </a:extLst>
+          </p:cNvPr>
+          <p:cNvSpPr txBox="1"/>
+          <p:nvPr/>
+        </p:nvSpPr>
+        <p:spPr>
+          <a:xfrm>
+            <a:off x="5885331" y="4647570"/>
+            <a:ext cx="5136776" cy="707886"/>
+          </a:xfrm>
+          <a:prstGeom prst="rect">
+            <a:avLst/>
+          </a:prstGeom>
+          <a:noFill/>
+        </p:spPr>
+        <p:txBody>
+          <a:bodyPr wrap="square" rtlCol="0">
+            <a:spAutoFit/>
+          </a:bodyPr>
+          <a:lstStyle/>
+          <a:p>
+            <a:r>
+              <a:rPr lang="en-US" sz="4000" dirty="0">
+                <a:solidFill>
+                  <a:schemeClr val="bg1"/>
+                </a:solidFill>
+              </a:rPr>
+              <a:t>PHP IntelliSense</a:t>
+            </a:r>
+          </a:p>
+        </p:txBody>
+      </p:sp>
+      <p:sp>
+        <p:nvSpPr>
+          <p:cNvPr id="21" name="TextBox 20">
+            <a:extLst>
+              <a:ext uri="{FF2B5EF4-FFF2-40B4-BE49-F238E27FC236}">
+                <a16:creationId xmlns:a16="http://schemas.microsoft.com/office/drawing/2014/main" id="{A0D5622B-6F5B-DF1B-E8E6-FF42CF405A86}"/>
+              </a:ext>
+            </a:extLst>
+          </p:cNvPr>
+          <p:cNvSpPr txBox="1"/>
+          <p:nvPr/>
+        </p:nvSpPr>
+        <p:spPr>
+          <a:xfrm>
+            <a:off x="5844988" y="5330406"/>
+            <a:ext cx="6539754" cy="1323439"/>
+          </a:xfrm>
+          <a:prstGeom prst="rect">
+            <a:avLst/>
+          </a:prstGeom>
+          <a:noFill/>
+        </p:spPr>
+        <p:txBody>
+          <a:bodyPr wrap="square" rtlCol="0">
+            <a:spAutoFit/>
+          </a:bodyPr>
+          <a:lstStyle/>
+          <a:p>
+            <a:r>
+              <a:rPr lang="en-US" sz="4000" dirty="0">
+                <a:solidFill>
+                  <a:schemeClr val="bg1"/>
+                </a:solidFill>
+              </a:rPr>
+              <a:t>Getter and Setter Generator</a:t>
+            </a:r>
+          </a:p>
+          <a:p>
+            <a:endParaRPr lang="en-US" sz="4000" dirty="0">
+              <a:solidFill>
+                <a:schemeClr val="bg1"/>
+              </a:solidFill>
+            </a:endParaRPr>
           </a:p>
         </p:txBody>
       </p:sp>
     </p:spTree>
     <p:extLst>
       <p:ext uri="{BB962C8B-B14F-4D97-AF65-F5344CB8AC3E}">
-        <p14:creationId xmlns:p14="http://schemas.microsoft.com/office/powerpoint/2010/main" val="3316917825"/>
+        <p14:creationId xmlns:p14="http://schemas.microsoft.com/office/powerpoint/2010/main" val="4215868519"/>
       </p:ext>
     </p:extLst>
   </p:cSld>
@@ -8480,7 +8926,7 @@
       </p:grpSpPr>
       <p:pic>
         <p:nvPicPr>
-          <p:cNvPr id="6" name="Picture 5">
+          <p:cNvPr id="6" name="Picture 5" descr="Icon&#10;&#10;Description automatically generated">
             <a:extLst>
               <a:ext uri="{FF2B5EF4-FFF2-40B4-BE49-F238E27FC236}">
                 <a16:creationId xmlns:a16="http://schemas.microsoft.com/office/drawing/2014/main" id="{993FDF73-CBDF-E986-59D9-927D98FADEE3}"/>
@@ -8498,18 +8944,16 @@
               <a:ext uri="{28A0092B-C50C-407E-A947-70E740481C1C}">
                 <a14:useLocalDpi xmlns:a14="http://schemas.microsoft.com/office/drawing/2010/main" val="0"/>
               </a:ext>
-              <a:ext uri="{96DAC541-7B7A-43D3-8B79-37D633B846F1}">
-                <asvg:svgBlip xmlns:asvg="http://schemas.microsoft.com/office/drawing/2016/SVG/main" r:embed="rId3"/>
-              </a:ext>
             </a:extLst>
           </a:blip>
-          <a:srcRect/>
-          <a:stretch/>
+          <a:stretch>
+            <a:fillRect/>
+          </a:stretch>
         </p:blipFill>
         <p:spPr>
           <a:xfrm>
-            <a:off x="10403540" y="286886"/>
-            <a:ext cx="1521969" cy="1573582"/>
+            <a:off x="9498106" y="163217"/>
+            <a:ext cx="1900518" cy="1900518"/>
           </a:xfrm>
           <a:prstGeom prst="rect">
             <a:avLst/>
@@ -8530,8 +8974,8 @@
         </p:nvSpPr>
         <p:spPr>
           <a:xfrm>
-            <a:off x="369794" y="397876"/>
-            <a:ext cx="9485778" cy="1102660"/>
+            <a:off x="369794" y="501858"/>
+            <a:ext cx="8440270" cy="1102660"/>
           </a:xfrm>
           <a:prstGeom prst="roundRect">
             <a:avLst/>
@@ -8562,21 +9006,28 @@
           <a:p>
             <a:pPr algn="ctr"/>
             <a:r>
+              <a:rPr lang="en-US" sz="5000" dirty="0" err="1">
+                <a:latin typeface="Bahnschrift SemiBold" panose="020B0502040204020203" pitchFamily="34" charset="0"/>
+                <a:cs typeface="Aharoni" panose="020B0604020202020204" pitchFamily="2" charset="-79"/>
+              </a:rPr>
+              <a:t>VSCode</a:t>
+            </a:r>
+            <a:r>
               <a:rPr lang="en-US" sz="5000" dirty="0">
                 <a:latin typeface="Bahnschrift SemiBold" panose="020B0502040204020203" pitchFamily="34" charset="0"/>
                 <a:cs typeface="Aharoni" panose="020B0604020202020204" pitchFamily="2" charset="-79"/>
               </a:rPr>
-              <a:t>What is .env File ?</a:t>
-            </a:r>
-          </a:p>
-        </p:txBody>
-      </p:sp>
-      <p:sp>
-        <p:nvSpPr>
-          <p:cNvPr id="18" name="TextBox 17">
-            <a:extLst>
-              <a:ext uri="{FF2B5EF4-FFF2-40B4-BE49-F238E27FC236}">
-                <a16:creationId xmlns:a16="http://schemas.microsoft.com/office/drawing/2014/main" id="{266DBCC7-EBDA-412B-3C3B-DD36522242BF}"/>
+              <a:t> Extensions</a:t>
+            </a:r>
+          </a:p>
+        </p:txBody>
+      </p:sp>
+      <p:sp>
+        <p:nvSpPr>
+          <p:cNvPr id="8" name="TextBox 7">
+            <a:extLst>
+              <a:ext uri="{FF2B5EF4-FFF2-40B4-BE49-F238E27FC236}">
+                <a16:creationId xmlns:a16="http://schemas.microsoft.com/office/drawing/2014/main" id="{CD80FEF0-0D19-47BA-439F-86BCCE6B4B22}"/>
               </a:ext>
             </a:extLst>
           </p:cNvPr>
@@ -8585,8 +9036,8 @@
         </p:nvSpPr>
         <p:spPr>
           <a:xfrm>
-            <a:off x="410133" y="2388094"/>
-            <a:ext cx="10432677" cy="553998"/>
+            <a:off x="445994" y="2147251"/>
+            <a:ext cx="7077636" cy="707886"/>
           </a:xfrm>
           <a:prstGeom prst="rect">
             <a:avLst/>
@@ -8600,38 +9051,22 @@
           <a:lstStyle/>
           <a:p>
             <a:r>
-              <a:rPr lang="en-US" sz="3000" dirty="0">
+              <a:rPr lang="en-US" sz="4000" dirty="0">
                 <a:solidFill>
                   <a:schemeClr val="bg1"/>
                 </a:solidFill>
               </a:rPr>
-              <a:t>It store </a:t>
-            </a:r>
-            <a:r>
-              <a:rPr lang="en-US" sz="3000" b="1" dirty="0">
-                <a:solidFill>
-                  <a:srgbClr val="76F9A6"/>
-                </a:solidFill>
-              </a:rPr>
-              <a:t>environment variables</a:t>
-            </a:r>
-            <a:r>
-              <a:rPr lang="en-US" sz="3000" dirty="0">
-                <a:solidFill>
-                  <a:schemeClr val="bg1"/>
-                </a:solidFill>
-              </a:rPr>
-              <a:t>, use globally in your App</a:t>
-            </a:r>
-          </a:p>
-        </p:txBody>
-      </p:sp>
-      <p:sp>
-        <p:nvSpPr>
-          <p:cNvPr id="19" name="TextBox 18">
-            <a:extLst>
-              <a:ext uri="{FF2B5EF4-FFF2-40B4-BE49-F238E27FC236}">
-                <a16:creationId xmlns:a16="http://schemas.microsoft.com/office/drawing/2014/main" id="{0EFAA0D8-2BAE-BE15-FA7B-DA70F3DB6BE6}"/>
+              <a:t>Laravel Artisan, </a:t>
+            </a:r>
+          </a:p>
+        </p:txBody>
+      </p:sp>
+      <p:sp>
+        <p:nvSpPr>
+          <p:cNvPr id="13" name="TextBox 12">
+            <a:extLst>
+              <a:ext uri="{FF2B5EF4-FFF2-40B4-BE49-F238E27FC236}">
+                <a16:creationId xmlns:a16="http://schemas.microsoft.com/office/drawing/2014/main" id="{189705D4-C237-99A8-89CC-E6A31C0BB842}"/>
               </a:ext>
             </a:extLst>
           </p:cNvPr>
@@ -8640,8 +9075,8 @@
         </p:nvSpPr>
         <p:spPr>
           <a:xfrm>
-            <a:off x="410132" y="3429000"/>
-            <a:ext cx="10432677" cy="553998"/>
+            <a:off x="445994" y="2942544"/>
+            <a:ext cx="7077636" cy="707886"/>
           </a:xfrm>
           <a:prstGeom prst="rect">
             <a:avLst/>
@@ -8655,30 +9090,22 @@
           <a:lstStyle/>
           <a:p>
             <a:r>
-              <a:rPr lang="en-US" sz="3000" dirty="0">
+              <a:rPr lang="en-US" sz="4000" dirty="0">
                 <a:solidFill>
                   <a:schemeClr val="bg1"/>
                 </a:solidFill>
               </a:rPr>
-              <a:t>Store in Laravel </a:t>
-            </a:r>
-            <a:r>
-              <a:rPr lang="en-US" sz="3000" b="1" dirty="0">
-                <a:solidFill>
-                  <a:srgbClr val="76F9A6"/>
-                </a:solidFill>
-              </a:rPr>
-              <a:t>App’s root folder</a:t>
-            </a:r>
-          </a:p>
-        </p:txBody>
-      </p:sp>
-      <p:sp>
-        <p:nvSpPr>
-          <p:cNvPr id="21" name="TextBox 20">
-            <a:extLst>
-              <a:ext uri="{FF2B5EF4-FFF2-40B4-BE49-F238E27FC236}">
-                <a16:creationId xmlns:a16="http://schemas.microsoft.com/office/drawing/2014/main" id="{2E394058-A907-AE97-3C9E-F29F6393AADD}"/>
+              <a:t>Getter and Setter Generator</a:t>
+            </a:r>
+          </a:p>
+        </p:txBody>
+      </p:sp>
+      <p:sp>
+        <p:nvSpPr>
+          <p:cNvPr id="14" name="TextBox 13">
+            <a:extLst>
+              <a:ext uri="{FF2B5EF4-FFF2-40B4-BE49-F238E27FC236}">
+                <a16:creationId xmlns:a16="http://schemas.microsoft.com/office/drawing/2014/main" id="{B2B38D82-AC37-F1DB-DEE5-95F4199153F3}"/>
               </a:ext>
             </a:extLst>
           </p:cNvPr>
@@ -8687,8 +9114,8 @@
         </p:nvSpPr>
         <p:spPr>
           <a:xfrm>
-            <a:off x="369794" y="4443535"/>
-            <a:ext cx="10432677" cy="553998"/>
+            <a:off x="439270" y="4574223"/>
+            <a:ext cx="7077636" cy="707886"/>
           </a:xfrm>
           <a:prstGeom prst="rect">
             <a:avLst/>
@@ -8702,20 +9129,98 @@
           <a:lstStyle/>
           <a:p>
             <a:r>
-              <a:rPr lang="en-US" sz="3000" dirty="0">
+              <a:rPr lang="en-US" sz="4000" dirty="0" err="1">
                 <a:solidFill>
                   <a:schemeClr val="bg1"/>
                 </a:solidFill>
               </a:rPr>
-              <a:t>File name is blank: </a:t>
-            </a:r>
-            <a:r>
-              <a:rPr lang="en-US" sz="3000" b="1" dirty="0">
+              <a:t>Vscode</a:t>
+            </a:r>
+            <a:r>
+              <a:rPr lang="en-US" sz="4000" dirty="0">
                 <a:solidFill>
-                  <a:srgbClr val="76F9A6"/>
+                  <a:schemeClr val="bg1"/>
                 </a:solidFill>
               </a:rPr>
-              <a:t>.env</a:t>
+              <a:t>-icons</a:t>
+            </a:r>
+          </a:p>
+        </p:txBody>
+      </p:sp>
+      <p:sp>
+        <p:nvSpPr>
+          <p:cNvPr id="15" name="TextBox 14">
+            <a:extLst>
+              <a:ext uri="{FF2B5EF4-FFF2-40B4-BE49-F238E27FC236}">
+                <a16:creationId xmlns:a16="http://schemas.microsoft.com/office/drawing/2014/main" id="{62F36922-1BB3-26DA-367A-7923CC8C53B8}"/>
+              </a:ext>
+            </a:extLst>
+          </p:cNvPr>
+          <p:cNvSpPr txBox="1"/>
+          <p:nvPr/>
+        </p:nvSpPr>
+        <p:spPr>
+          <a:xfrm>
+            <a:off x="439269" y="5410609"/>
+            <a:ext cx="9390529" cy="707886"/>
+          </a:xfrm>
+          <a:prstGeom prst="rect">
+            <a:avLst/>
+          </a:prstGeom>
+          <a:noFill/>
+        </p:spPr>
+        <p:txBody>
+          <a:bodyPr wrap="square" rtlCol="0">
+            <a:spAutoFit/>
+          </a:bodyPr>
+          <a:lstStyle/>
+          <a:p>
+            <a:r>
+              <a:rPr lang="en-US" sz="4000" dirty="0">
+                <a:solidFill>
+                  <a:schemeClr val="bg1"/>
+                </a:solidFill>
+              </a:rPr>
+              <a:t>JavaScript (ES6) code snippets</a:t>
+            </a:r>
+          </a:p>
+        </p:txBody>
+      </p:sp>
+      <p:sp>
+        <p:nvSpPr>
+          <p:cNvPr id="19" name="TextBox 18">
+            <a:extLst>
+              <a:ext uri="{FF2B5EF4-FFF2-40B4-BE49-F238E27FC236}">
+                <a16:creationId xmlns:a16="http://schemas.microsoft.com/office/drawing/2014/main" id="{9095AF86-C7B9-7333-99C8-7C957E9A6BC3}"/>
+              </a:ext>
+            </a:extLst>
+          </p:cNvPr>
+          <p:cNvSpPr txBox="1"/>
+          <p:nvPr/>
+        </p:nvSpPr>
+        <p:spPr>
+          <a:xfrm>
+            <a:off x="439270" y="3737837"/>
+            <a:ext cx="9390529" cy="707886"/>
+          </a:xfrm>
+          <a:prstGeom prst="rect">
+            <a:avLst/>
+          </a:prstGeom>
+          <a:noFill/>
+        </p:spPr>
+        <p:txBody>
+          <a:bodyPr wrap="square" rtlCol="0">
+            <a:spAutoFit/>
+          </a:bodyPr>
+          <a:lstStyle/>
+          <a:p>
+            <a:r>
+              <a:rPr lang="en-US" sz="4000" dirty="0">
+                <a:solidFill>
+                  <a:schemeClr val="bg1"/>
+                </a:solidFill>
+              </a:rPr>
+              <a:t>Bracket Pair Colorization Toggler</a:t>
             </a:r>
           </a:p>
         </p:txBody>
@@ -8723,7 +9228,7 @@
     </p:spTree>
     <p:extLst>
       <p:ext uri="{BB962C8B-B14F-4D97-AF65-F5344CB8AC3E}">
-        <p14:creationId xmlns:p14="http://schemas.microsoft.com/office/powerpoint/2010/main" val="656109480"/>
+        <p14:creationId xmlns:p14="http://schemas.microsoft.com/office/powerpoint/2010/main" val="3316917825"/>
       </p:ext>
     </p:extLst>
   </p:cSld>
@@ -8854,21 +9359,7 @@
                 <a:latin typeface="Bahnschrift SemiBold" panose="020B0502040204020203" pitchFamily="34" charset="0"/>
                 <a:cs typeface="Aharoni" panose="020B0604020202020204" pitchFamily="2" charset="-79"/>
               </a:rPr>
-              <a:t>What is </a:t>
-            </a:r>
-            <a:r>
-              <a:rPr lang="en-US" sz="5000" dirty="0" err="1">
-                <a:latin typeface="Bahnschrift SemiBold" panose="020B0502040204020203" pitchFamily="34" charset="0"/>
-                <a:cs typeface="Aharoni" panose="020B0604020202020204" pitchFamily="2" charset="-79"/>
-              </a:rPr>
-              <a:t>composer.json</a:t>
-            </a:r>
-            <a:r>
-              <a:rPr lang="en-US" sz="5000" dirty="0">
-                <a:latin typeface="Bahnschrift SemiBold" panose="020B0502040204020203" pitchFamily="34" charset="0"/>
-                <a:cs typeface="Aharoni" panose="020B0604020202020204" pitchFamily="2" charset="-79"/>
-              </a:rPr>
-              <a:t> ?</a:t>
+              <a:t>What is .env File ?</a:t>
             </a:r>
           </a:p>
         </p:txBody>
@@ -8887,8 +9378,8 @@
         </p:nvSpPr>
         <p:spPr>
           <a:xfrm>
-            <a:off x="647697" y="2804952"/>
-            <a:ext cx="10432677" cy="1631216"/>
+            <a:off x="410133" y="2388094"/>
+            <a:ext cx="10432677" cy="553998"/>
           </a:xfrm>
           <a:prstGeom prst="rect">
             <a:avLst/>
@@ -8901,22 +9392,123 @@
           </a:bodyPr>
           <a:lstStyle/>
           <a:p>
-            <a:pPr algn="ctr"/>
-            <a:r>
-              <a:rPr lang="en-US" sz="5000" dirty="0">
+            <a:r>
+              <a:rPr lang="en-US" sz="3000" dirty="0">
                 <a:solidFill>
                   <a:schemeClr val="bg1"/>
                 </a:solidFill>
               </a:rPr>
-              <a:t>It is a file where stores and manages </a:t>
-            </a:r>
-            <a:r>
-              <a:rPr lang="en-US" sz="5000" b="1" dirty="0">
+              <a:t>It store </a:t>
+            </a:r>
+            <a:r>
+              <a:rPr lang="en-US" sz="3000" b="1" dirty="0">
                 <a:solidFill>
                   <a:srgbClr val="76F9A6"/>
                 </a:solidFill>
               </a:rPr>
-              <a:t>dependencies / libraries</a:t>
+              <a:t>environment variables</a:t>
+            </a:r>
+            <a:r>
+              <a:rPr lang="en-US" sz="3000" dirty="0">
+                <a:solidFill>
+                  <a:schemeClr val="bg1"/>
+                </a:solidFill>
+              </a:rPr>
+              <a:t>, use globally in your App</a:t>
+            </a:r>
+          </a:p>
+        </p:txBody>
+      </p:sp>
+      <p:sp>
+        <p:nvSpPr>
+          <p:cNvPr id="19" name="TextBox 18">
+            <a:extLst>
+              <a:ext uri="{FF2B5EF4-FFF2-40B4-BE49-F238E27FC236}">
+                <a16:creationId xmlns:a16="http://schemas.microsoft.com/office/drawing/2014/main" id="{0EFAA0D8-2BAE-BE15-FA7B-DA70F3DB6BE6}"/>
+              </a:ext>
+            </a:extLst>
+          </p:cNvPr>
+          <p:cNvSpPr txBox="1"/>
+          <p:nvPr/>
+        </p:nvSpPr>
+        <p:spPr>
+          <a:xfrm>
+            <a:off x="410132" y="3429000"/>
+            <a:ext cx="10432677" cy="553998"/>
+          </a:xfrm>
+          <a:prstGeom prst="rect">
+            <a:avLst/>
+          </a:prstGeom>
+          <a:noFill/>
+        </p:spPr>
+        <p:txBody>
+          <a:bodyPr wrap="square" rtlCol="0">
+            <a:spAutoFit/>
+          </a:bodyPr>
+          <a:lstStyle/>
+          <a:p>
+            <a:r>
+              <a:rPr lang="en-US" sz="3000" dirty="0">
+                <a:solidFill>
+                  <a:schemeClr val="bg1"/>
+                </a:solidFill>
+              </a:rPr>
+              <a:t>Store in Laravel </a:t>
+            </a:r>
+            <a:r>
+              <a:rPr lang="en-US" sz="3000" b="1" dirty="0">
+                <a:solidFill>
+                  <a:srgbClr val="76F9A6"/>
+                </a:solidFill>
+              </a:rPr>
+              <a:t>App’s root folder</a:t>
+            </a:r>
+          </a:p>
+        </p:txBody>
+      </p:sp>
+      <p:sp>
+        <p:nvSpPr>
+          <p:cNvPr id="21" name="TextBox 20">
+            <a:extLst>
+              <a:ext uri="{FF2B5EF4-FFF2-40B4-BE49-F238E27FC236}">
+                <a16:creationId xmlns:a16="http://schemas.microsoft.com/office/drawing/2014/main" id="{2E394058-A907-AE97-3C9E-F29F6393AADD}"/>
+              </a:ext>
+            </a:extLst>
+          </p:cNvPr>
+          <p:cNvSpPr txBox="1"/>
+          <p:nvPr/>
+        </p:nvSpPr>
+        <p:spPr>
+          <a:xfrm>
+            <a:off x="369794" y="4443535"/>
+            <a:ext cx="10432677" cy="553998"/>
+          </a:xfrm>
+          <a:prstGeom prst="rect">
+            <a:avLst/>
+          </a:prstGeom>
+          <a:noFill/>
+        </p:spPr>
+        <p:txBody>
+          <a:bodyPr wrap="square" rtlCol="0">
+            <a:spAutoFit/>
+          </a:bodyPr>
+          <a:lstStyle/>
+          <a:p>
+            <a:r>
+              <a:rPr lang="en-US" sz="3000" dirty="0">
+                <a:solidFill>
+                  <a:schemeClr val="bg1"/>
+                </a:solidFill>
+              </a:rPr>
+              <a:t>File name is blank: </a:t>
+            </a:r>
+            <a:r>
+              <a:rPr lang="en-US" sz="3000" b="1" dirty="0">
+                <a:solidFill>
+                  <a:srgbClr val="76F9A6"/>
+                </a:solidFill>
+              </a:rPr>
+              <a:t>.env</a:t>
             </a:r>
           </a:p>
         </p:txBody>
@@ -8924,7 +9516,7 @@
     </p:spTree>
     <p:extLst>
       <p:ext uri="{BB962C8B-B14F-4D97-AF65-F5344CB8AC3E}">
-        <p14:creationId xmlns:p14="http://schemas.microsoft.com/office/powerpoint/2010/main" val="2810510177"/>
+        <p14:creationId xmlns:p14="http://schemas.microsoft.com/office/powerpoint/2010/main" val="656109480"/>
       </p:ext>
     </p:extLst>
   </p:cSld>
@@ -9055,7 +9647,21 @@
                 <a:latin typeface="Bahnschrift SemiBold" panose="020B0502040204020203" pitchFamily="34" charset="0"/>
                 <a:cs typeface="Aharoni" panose="020B0604020202020204" pitchFamily="2" charset="-79"/>
               </a:rPr>
-              <a:t>Where can I find dependencies ?</a:t>
+              <a:t>What is </a:t>
+            </a:r>
+            <a:r>
+              <a:rPr lang="en-US" sz="5000" dirty="0" err="1">
+                <a:latin typeface="Bahnschrift SemiBold" panose="020B0502040204020203" pitchFamily="34" charset="0"/>
+                <a:cs typeface="Aharoni" panose="020B0604020202020204" pitchFamily="2" charset="-79"/>
+              </a:rPr>
+              <a:t>composer.json</a:t>
+            </a:r>
+            <a:r>
+              <a:rPr lang="en-US" sz="5000" dirty="0">
+                <a:latin typeface="Bahnschrift SemiBold" panose="020B0502040204020203" pitchFamily="34" charset="0"/>
+                <a:cs typeface="Aharoni" panose="020B0604020202020204" pitchFamily="2" charset="-79"/>
+              </a:rPr>
+              <a:t> ?</a:t>
             </a:r>
           </a:p>
         </p:txBody>
@@ -9074,7 +9680,7 @@
         </p:nvSpPr>
         <p:spPr>
           <a:xfrm>
-            <a:off x="661144" y="2795987"/>
+            <a:off x="647697" y="2804952"/>
             <a:ext cx="10432677" cy="1631216"/>
           </a:xfrm>
           <a:prstGeom prst="rect">
@@ -9095,7 +9701,7 @@
                   <a:schemeClr val="bg1"/>
                 </a:solidFill>
               </a:rPr>
-              <a:t>You can find Laravel dependencies at: </a:t>
+              <a:t>It is a file where stores and manages </a:t>
             </a:r>
             <a:r>
               <a:rPr lang="en-US" sz="5000" b="1" dirty="0">
@@ -9103,7 +9709,7 @@
                   <a:srgbClr val="76F9A6"/>
                 </a:solidFill>
               </a:rPr>
-              <a:t>packagist.org</a:t>
+              <a:t>dependencies / libraries</a:t>
             </a:r>
           </a:p>
         </p:txBody>
@@ -9111,7 +9717,7 @@
     </p:spTree>
     <p:extLst>
       <p:ext uri="{BB962C8B-B14F-4D97-AF65-F5344CB8AC3E}">
-        <p14:creationId xmlns:p14="http://schemas.microsoft.com/office/powerpoint/2010/main" val="4051653332"/>
+        <p14:creationId xmlns:p14="http://schemas.microsoft.com/office/powerpoint/2010/main" val="2810510177"/>
       </p:ext>
     </p:extLst>
   </p:cSld>
